--- a/pages/figs/saas.pptx
+++ b/pages/figs/saas.pptx
@@ -2,19 +2,19 @@
 <file path=ppt/presentation.xml><?xml version="1.0" encoding="utf-8"?>
 <p:presentation xmlns:a="http://schemas.openxmlformats.org/drawingml/2006/main" xmlns:r="http://schemas.openxmlformats.org/officeDocument/2006/relationships" xmlns:p="http://schemas.openxmlformats.org/presentationml/2006/main" saveSubsetFonts="1" autoCompressPictures="0">
   <p:sldMasterIdLst>
-    <p:sldMasterId id="2147483672" r:id="rId1"/>
+    <p:sldMasterId id="2147483648" r:id="rId1"/>
   </p:sldMasterIdLst>
   <p:sldIdLst>
-    <p:sldId id="256" r:id="rId2"/>
+    <p:sldId id="258" r:id="rId2"/>
   </p:sldIdLst>
-  <p:sldSz cx="5759450" cy="4319588"/>
+  <p:sldSz cx="10799763" cy="5400675"/>
   <p:notesSz cx="6858000" cy="9144000"/>
   <p:defaultTextStyle>
     <a:defPPr>
       <a:defRPr lang="en-US"/>
     </a:defPPr>
-    <a:lvl1pPr marL="0" algn="l" defTabSz="552846" rtl="0" eaLnBrk="1" latinLnBrk="0" hangingPunct="1">
-      <a:defRPr sz="1088" kern="1200">
+    <a:lvl1pPr marL="0" algn="l" defTabSz="356113" rtl="0" eaLnBrk="1" latinLnBrk="0" hangingPunct="1">
+      <a:defRPr sz="1402" kern="1200">
         <a:solidFill>
           <a:schemeClr val="tx1"/>
         </a:solidFill>
@@ -23,8 +23,8 @@
         <a:cs typeface="+mn-cs"/>
       </a:defRPr>
     </a:lvl1pPr>
-    <a:lvl2pPr marL="276423" algn="l" defTabSz="552846" rtl="0" eaLnBrk="1" latinLnBrk="0" hangingPunct="1">
-      <a:defRPr sz="1088" kern="1200">
+    <a:lvl2pPr marL="356113" algn="l" defTabSz="356113" rtl="0" eaLnBrk="1" latinLnBrk="0" hangingPunct="1">
+      <a:defRPr sz="1402" kern="1200">
         <a:solidFill>
           <a:schemeClr val="tx1"/>
         </a:solidFill>
@@ -33,8 +33,8 @@
         <a:cs typeface="+mn-cs"/>
       </a:defRPr>
     </a:lvl2pPr>
-    <a:lvl3pPr marL="552846" algn="l" defTabSz="552846" rtl="0" eaLnBrk="1" latinLnBrk="0" hangingPunct="1">
-      <a:defRPr sz="1088" kern="1200">
+    <a:lvl3pPr marL="712226" algn="l" defTabSz="356113" rtl="0" eaLnBrk="1" latinLnBrk="0" hangingPunct="1">
+      <a:defRPr sz="1402" kern="1200">
         <a:solidFill>
           <a:schemeClr val="tx1"/>
         </a:solidFill>
@@ -43,8 +43,8 @@
         <a:cs typeface="+mn-cs"/>
       </a:defRPr>
     </a:lvl3pPr>
-    <a:lvl4pPr marL="829269" algn="l" defTabSz="552846" rtl="0" eaLnBrk="1" latinLnBrk="0" hangingPunct="1">
-      <a:defRPr sz="1088" kern="1200">
+    <a:lvl4pPr marL="1068339" algn="l" defTabSz="356113" rtl="0" eaLnBrk="1" latinLnBrk="0" hangingPunct="1">
+      <a:defRPr sz="1402" kern="1200">
         <a:solidFill>
           <a:schemeClr val="tx1"/>
         </a:solidFill>
@@ -53,8 +53,8 @@
         <a:cs typeface="+mn-cs"/>
       </a:defRPr>
     </a:lvl4pPr>
-    <a:lvl5pPr marL="1105692" algn="l" defTabSz="552846" rtl="0" eaLnBrk="1" latinLnBrk="0" hangingPunct="1">
-      <a:defRPr sz="1088" kern="1200">
+    <a:lvl5pPr marL="1424452" algn="l" defTabSz="356113" rtl="0" eaLnBrk="1" latinLnBrk="0" hangingPunct="1">
+      <a:defRPr sz="1402" kern="1200">
         <a:solidFill>
           <a:schemeClr val="tx1"/>
         </a:solidFill>
@@ -63,8 +63,8 @@
         <a:cs typeface="+mn-cs"/>
       </a:defRPr>
     </a:lvl5pPr>
-    <a:lvl6pPr marL="1382116" algn="l" defTabSz="552846" rtl="0" eaLnBrk="1" latinLnBrk="0" hangingPunct="1">
-      <a:defRPr sz="1088" kern="1200">
+    <a:lvl6pPr marL="1780565" algn="l" defTabSz="356113" rtl="0" eaLnBrk="1" latinLnBrk="0" hangingPunct="1">
+      <a:defRPr sz="1402" kern="1200">
         <a:solidFill>
           <a:schemeClr val="tx1"/>
         </a:solidFill>
@@ -73,8 +73,8 @@
         <a:cs typeface="+mn-cs"/>
       </a:defRPr>
     </a:lvl6pPr>
-    <a:lvl7pPr marL="1658539" algn="l" defTabSz="552846" rtl="0" eaLnBrk="1" latinLnBrk="0" hangingPunct="1">
-      <a:defRPr sz="1088" kern="1200">
+    <a:lvl7pPr marL="2136678" algn="l" defTabSz="356113" rtl="0" eaLnBrk="1" latinLnBrk="0" hangingPunct="1">
+      <a:defRPr sz="1402" kern="1200">
         <a:solidFill>
           <a:schemeClr val="tx1"/>
         </a:solidFill>
@@ -83,8 +83,8 @@
         <a:cs typeface="+mn-cs"/>
       </a:defRPr>
     </a:lvl7pPr>
-    <a:lvl8pPr marL="1934962" algn="l" defTabSz="552846" rtl="0" eaLnBrk="1" latinLnBrk="0" hangingPunct="1">
-      <a:defRPr sz="1088" kern="1200">
+    <a:lvl8pPr marL="2492792" algn="l" defTabSz="356113" rtl="0" eaLnBrk="1" latinLnBrk="0" hangingPunct="1">
+      <a:defRPr sz="1402" kern="1200">
         <a:solidFill>
           <a:schemeClr val="tx1"/>
         </a:solidFill>
@@ -93,8 +93,8 @@
         <a:cs typeface="+mn-cs"/>
       </a:defRPr>
     </a:lvl8pPr>
-    <a:lvl9pPr marL="2211385" algn="l" defTabSz="552846" rtl="0" eaLnBrk="1" latinLnBrk="0" hangingPunct="1">
-      <a:defRPr sz="1088" kern="1200">
+    <a:lvl9pPr marL="2848905" algn="l" defTabSz="356113" rtl="0" eaLnBrk="1" latinLnBrk="0" hangingPunct="1">
+      <a:defRPr sz="1402" kern="1200">
         <a:solidFill>
           <a:schemeClr val="tx1"/>
         </a:solidFill>
@@ -104,6 +104,22 @@
       </a:defRPr>
     </a:lvl9pPr>
   </p:defaultTextStyle>
+  <p:extLst>
+    <p:ext uri="{EFAFB233-063F-42B5-8137-9DF3F51BA10A}">
+      <p15:sldGuideLst xmlns:p15="http://schemas.microsoft.com/office/powerpoint/2012/main">
+        <p15:guide id="1" orient="horz" pos="1701" userDrawn="1">
+          <p15:clr>
+            <a:srgbClr val="A4A3A4"/>
+          </p15:clr>
+        </p15:guide>
+        <p15:guide id="2" pos="3402" userDrawn="1">
+          <p15:clr>
+            <a:srgbClr val="A4A3A4"/>
+          </p15:clr>
+        </p15:guide>
+      </p15:sldGuideLst>
+    </p:ext>
+  </p:extLst>
 </p:presentation>
 </file>
 
@@ -136,23 +152,18 @@
         </p:nvSpPr>
         <p:spPr>
           <a:xfrm>
-            <a:off x="431959" y="706933"/>
-            <a:ext cx="4895533" cy="1503857"/>
+            <a:off x="809984" y="1677712"/>
+            <a:ext cx="9179799" cy="1157645"/>
           </a:xfrm>
         </p:spPr>
         <p:txBody>
-          <a:bodyPr anchor="b"/>
-          <a:lstStyle>
-            <a:lvl1pPr algn="ctr">
-              <a:defRPr sz="3779"/>
-            </a:lvl1pPr>
-          </a:lstStyle>
+          <a:bodyPr/>
+          <a:lstStyle/>
           <a:p>
             <a:r>
               <a:rPr lang="en-US"/>
               <a:t>Click to edit Master title style</a:t>
             </a:r>
-            <a:endParaRPr lang="en-US" dirty="0"/>
           </a:p>
         </p:txBody>
       </p:sp>
@@ -168,8 +179,8 @@
         </p:nvSpPr>
         <p:spPr>
           <a:xfrm>
-            <a:off x="719931" y="2268784"/>
-            <a:ext cx="4319588" cy="1042900"/>
+            <a:off x="1619965" y="3060385"/>
+            <a:ext cx="7559834" cy="1380172"/>
           </a:xfrm>
         </p:spPr>
         <p:txBody>
@@ -177,39 +188,93 @@
           <a:lstStyle>
             <a:lvl1pPr marL="0" indent="0" algn="ctr">
               <a:buNone/>
-              <a:defRPr sz="1512"/>
+              <a:defRPr>
+                <a:solidFill>
+                  <a:schemeClr val="tx1">
+                    <a:tint val="75000"/>
+                  </a:schemeClr>
+                </a:solidFill>
+              </a:defRPr>
             </a:lvl1pPr>
-            <a:lvl2pPr marL="287990" indent="0" algn="ctr">
-              <a:buNone/>
-              <a:defRPr sz="1260"/>
+            <a:lvl2pPr marL="457200" indent="0" algn="ctr">
+              <a:buNone/>
+              <a:defRPr>
+                <a:solidFill>
+                  <a:schemeClr val="tx1">
+                    <a:tint val="75000"/>
+                  </a:schemeClr>
+                </a:solidFill>
+              </a:defRPr>
             </a:lvl2pPr>
-            <a:lvl3pPr marL="575981" indent="0" algn="ctr">
-              <a:buNone/>
-              <a:defRPr sz="1134"/>
+            <a:lvl3pPr marL="914400" indent="0" algn="ctr">
+              <a:buNone/>
+              <a:defRPr>
+                <a:solidFill>
+                  <a:schemeClr val="tx1">
+                    <a:tint val="75000"/>
+                  </a:schemeClr>
+                </a:solidFill>
+              </a:defRPr>
             </a:lvl3pPr>
-            <a:lvl4pPr marL="863971" indent="0" algn="ctr">
-              <a:buNone/>
-              <a:defRPr sz="1008"/>
+            <a:lvl4pPr marL="1371600" indent="0" algn="ctr">
+              <a:buNone/>
+              <a:defRPr>
+                <a:solidFill>
+                  <a:schemeClr val="tx1">
+                    <a:tint val="75000"/>
+                  </a:schemeClr>
+                </a:solidFill>
+              </a:defRPr>
             </a:lvl4pPr>
-            <a:lvl5pPr marL="1151961" indent="0" algn="ctr">
-              <a:buNone/>
-              <a:defRPr sz="1008"/>
+            <a:lvl5pPr marL="1828800" indent="0" algn="ctr">
+              <a:buNone/>
+              <a:defRPr>
+                <a:solidFill>
+                  <a:schemeClr val="tx1">
+                    <a:tint val="75000"/>
+                  </a:schemeClr>
+                </a:solidFill>
+              </a:defRPr>
             </a:lvl5pPr>
-            <a:lvl6pPr marL="1439951" indent="0" algn="ctr">
-              <a:buNone/>
-              <a:defRPr sz="1008"/>
+            <a:lvl6pPr marL="2286000" indent="0" algn="ctr">
+              <a:buNone/>
+              <a:defRPr>
+                <a:solidFill>
+                  <a:schemeClr val="tx1">
+                    <a:tint val="75000"/>
+                  </a:schemeClr>
+                </a:solidFill>
+              </a:defRPr>
             </a:lvl6pPr>
-            <a:lvl7pPr marL="1727942" indent="0" algn="ctr">
-              <a:buNone/>
-              <a:defRPr sz="1008"/>
+            <a:lvl7pPr marL="2743200" indent="0" algn="ctr">
+              <a:buNone/>
+              <a:defRPr>
+                <a:solidFill>
+                  <a:schemeClr val="tx1">
+                    <a:tint val="75000"/>
+                  </a:schemeClr>
+                </a:solidFill>
+              </a:defRPr>
             </a:lvl7pPr>
-            <a:lvl8pPr marL="2015932" indent="0" algn="ctr">
-              <a:buNone/>
-              <a:defRPr sz="1008"/>
+            <a:lvl8pPr marL="3200400" indent="0" algn="ctr">
+              <a:buNone/>
+              <a:defRPr>
+                <a:solidFill>
+                  <a:schemeClr val="tx1">
+                    <a:tint val="75000"/>
+                  </a:schemeClr>
+                </a:solidFill>
+              </a:defRPr>
             </a:lvl8pPr>
-            <a:lvl9pPr marL="2303922" indent="0" algn="ctr">
-              <a:buNone/>
-              <a:defRPr sz="1008"/>
+            <a:lvl9pPr marL="3657600" indent="0" algn="ctr">
+              <a:buNone/>
+              <a:defRPr>
+                <a:solidFill>
+                  <a:schemeClr val="tx1">
+                    <a:tint val="75000"/>
+                  </a:schemeClr>
+                </a:solidFill>
+              </a:defRPr>
             </a:lvl9pPr>
           </a:lstStyle>
           <a:p>
@@ -217,7 +282,6 @@
               <a:rPr lang="en-US"/>
               <a:t>Click to edit Master subtitle style</a:t>
             </a:r>
-            <a:endParaRPr lang="en-US" dirty="0"/>
           </a:p>
         </p:txBody>
       </p:sp>
@@ -236,7 +300,7 @@
           <a:bodyPr/>
           <a:lstStyle/>
           <a:p>
-            <a:fld id="{FDC979BE-81B6-604D-8E7B-77755E8DD42A}" type="datetimeFigureOut">
+            <a:fld id="{3EA3A3A7-1F67-9A4A-B8E5-E029D492957D}" type="datetimeFigureOut">
               <a:rPr lang="en-US" smtClean="0"/>
               <a:t>6/12/18</a:t>
             </a:fld>
@@ -278,7 +342,7 @@
           <a:bodyPr/>
           <a:lstStyle/>
           <a:p>
-            <a:fld id="{7DD576A4-A635-C541-A9E9-F3D6BD2BC51C}" type="slidenum">
+            <a:fld id="{00D20BCD-7CB9-8747-B0C8-741641952E41}" type="slidenum">
               <a:rPr lang="en-US" smtClean="0"/>
               <a:t>‹#›</a:t>
             </a:fld>
@@ -289,7 +353,7 @@
     </p:spTree>
     <p:extLst>
       <p:ext uri="{BB962C8B-B14F-4D97-AF65-F5344CB8AC3E}">
-        <p14:creationId xmlns:p14="http://schemas.microsoft.com/office/powerpoint/2010/main" val="2028169812"/>
+        <p14:creationId xmlns:p14="http://schemas.microsoft.com/office/powerpoint/2010/main" val="688017941"/>
       </p:ext>
     </p:extLst>
   </p:cSld>
@@ -332,10 +396,10 @@
           <a:lstStyle/>
           <a:p>
             <a:r>
-              <a:rPr lang="en-US"/>
+              <a:rPr lang="x-none"/>
               <a:t>Click to edit Master title style</a:t>
             </a:r>
-            <a:endParaRPr lang="en-US" dirty="0"/>
+            <a:endParaRPr lang="en-US"/>
           </a:p>
         </p:txBody>
       </p:sp>
@@ -356,38 +420,38 @@
           <a:p>
             <a:pPr lvl="0"/>
             <a:r>
-              <a:rPr lang="en-US"/>
-              <a:t>Edit Master text styles</a:t>
+              <a:rPr lang="x-none"/>
+              <a:t>Click to edit Master text styles</a:t>
             </a:r>
           </a:p>
           <a:p>
             <a:pPr lvl="1"/>
             <a:r>
-              <a:rPr lang="en-US"/>
+              <a:rPr lang="x-none"/>
               <a:t>Second level</a:t>
             </a:r>
           </a:p>
           <a:p>
             <a:pPr lvl="2"/>
             <a:r>
-              <a:rPr lang="en-US"/>
+              <a:rPr lang="x-none"/>
               <a:t>Third level</a:t>
             </a:r>
           </a:p>
           <a:p>
             <a:pPr lvl="3"/>
             <a:r>
-              <a:rPr lang="en-US"/>
+              <a:rPr lang="x-none"/>
               <a:t>Fourth level</a:t>
             </a:r>
           </a:p>
           <a:p>
             <a:pPr lvl="4"/>
             <a:r>
-              <a:rPr lang="en-US"/>
+              <a:rPr lang="x-none"/>
               <a:t>Fifth level</a:t>
             </a:r>
-            <a:endParaRPr lang="en-US" dirty="0"/>
+            <a:endParaRPr lang="en-US"/>
           </a:p>
         </p:txBody>
       </p:sp>
@@ -406,7 +470,7 @@
           <a:bodyPr/>
           <a:lstStyle/>
           <a:p>
-            <a:fld id="{FDC979BE-81B6-604D-8E7B-77755E8DD42A}" type="datetimeFigureOut">
+            <a:fld id="{3EA3A3A7-1F67-9A4A-B8E5-E029D492957D}" type="datetimeFigureOut">
               <a:rPr lang="en-US" smtClean="0"/>
               <a:t>6/12/18</a:t>
             </a:fld>
@@ -448,7 +512,7 @@
           <a:bodyPr/>
           <a:lstStyle/>
           <a:p>
-            <a:fld id="{7DD576A4-A635-C541-A9E9-F3D6BD2BC51C}" type="slidenum">
+            <a:fld id="{00D20BCD-7CB9-8747-B0C8-741641952E41}" type="slidenum">
               <a:rPr lang="en-US" smtClean="0"/>
               <a:t>‹#›</a:t>
             </a:fld>
@@ -459,7 +523,7 @@
     </p:spTree>
     <p:extLst>
       <p:ext uri="{BB962C8B-B14F-4D97-AF65-F5344CB8AC3E}">
-        <p14:creationId xmlns:p14="http://schemas.microsoft.com/office/powerpoint/2010/main" val="697383784"/>
+        <p14:creationId xmlns:p14="http://schemas.microsoft.com/office/powerpoint/2010/main" val="3995313529"/>
       </p:ext>
     </p:extLst>
   </p:cSld>
@@ -498,8 +562,8 @@
         </p:nvSpPr>
         <p:spPr>
           <a:xfrm>
-            <a:off x="4121607" y="229978"/>
-            <a:ext cx="1241881" cy="3660651"/>
+            <a:off x="7829830" y="216280"/>
+            <a:ext cx="2429947" cy="4608076"/>
           </a:xfrm>
         </p:spPr>
         <p:txBody>
@@ -507,10 +571,10 @@
           <a:lstStyle/>
           <a:p>
             <a:r>
-              <a:rPr lang="en-US"/>
+              <a:rPr lang="x-none"/>
               <a:t>Click to edit Master title style</a:t>
             </a:r>
-            <a:endParaRPr lang="en-US" dirty="0"/>
+            <a:endParaRPr lang="en-US"/>
           </a:p>
         </p:txBody>
       </p:sp>
@@ -526,8 +590,8 @@
         </p:nvSpPr>
         <p:spPr>
           <a:xfrm>
-            <a:off x="395963" y="229978"/>
-            <a:ext cx="3653651" cy="3660651"/>
+            <a:off x="539988" y="216280"/>
+            <a:ext cx="7109844" cy="4608076"/>
           </a:xfrm>
         </p:spPr>
         <p:txBody>
@@ -536,38 +600,38 @@
           <a:p>
             <a:pPr lvl="0"/>
             <a:r>
-              <a:rPr lang="en-US"/>
-              <a:t>Edit Master text styles</a:t>
+              <a:rPr lang="x-none"/>
+              <a:t>Click to edit Master text styles</a:t>
             </a:r>
           </a:p>
           <a:p>
             <a:pPr lvl="1"/>
             <a:r>
-              <a:rPr lang="en-US"/>
+              <a:rPr lang="x-none"/>
               <a:t>Second level</a:t>
             </a:r>
           </a:p>
           <a:p>
             <a:pPr lvl="2"/>
             <a:r>
-              <a:rPr lang="en-US"/>
+              <a:rPr lang="x-none"/>
               <a:t>Third level</a:t>
             </a:r>
           </a:p>
           <a:p>
             <a:pPr lvl="3"/>
             <a:r>
-              <a:rPr lang="en-US"/>
+              <a:rPr lang="x-none"/>
               <a:t>Fourth level</a:t>
             </a:r>
           </a:p>
           <a:p>
             <a:pPr lvl="4"/>
             <a:r>
-              <a:rPr lang="en-US"/>
+              <a:rPr lang="x-none"/>
               <a:t>Fifth level</a:t>
             </a:r>
-            <a:endParaRPr lang="en-US" dirty="0"/>
+            <a:endParaRPr lang="en-US"/>
           </a:p>
         </p:txBody>
       </p:sp>
@@ -586,7 +650,7 @@
           <a:bodyPr/>
           <a:lstStyle/>
           <a:p>
-            <a:fld id="{FDC979BE-81B6-604D-8E7B-77755E8DD42A}" type="datetimeFigureOut">
+            <a:fld id="{3EA3A3A7-1F67-9A4A-B8E5-E029D492957D}" type="datetimeFigureOut">
               <a:rPr lang="en-US" smtClean="0"/>
               <a:t>6/12/18</a:t>
             </a:fld>
@@ -628,7 +692,7 @@
           <a:bodyPr/>
           <a:lstStyle/>
           <a:p>
-            <a:fld id="{7DD576A4-A635-C541-A9E9-F3D6BD2BC51C}" type="slidenum">
+            <a:fld id="{00D20BCD-7CB9-8747-B0C8-741641952E41}" type="slidenum">
               <a:rPr lang="en-US" smtClean="0"/>
               <a:t>‹#›</a:t>
             </a:fld>
@@ -639,7 +703,7 @@
     </p:spTree>
     <p:extLst>
       <p:ext uri="{BB962C8B-B14F-4D97-AF65-F5344CB8AC3E}">
-        <p14:creationId xmlns:p14="http://schemas.microsoft.com/office/powerpoint/2010/main" val="1039887552"/>
+        <p14:creationId xmlns:p14="http://schemas.microsoft.com/office/powerpoint/2010/main" val="736025120"/>
       </p:ext>
     </p:extLst>
   </p:cSld>
@@ -682,10 +746,10 @@
           <a:lstStyle/>
           <a:p>
             <a:r>
-              <a:rPr lang="en-US"/>
+              <a:rPr lang="x-none"/>
               <a:t>Click to edit Master title style</a:t>
             </a:r>
-            <a:endParaRPr lang="en-US" dirty="0"/>
+            <a:endParaRPr lang="en-US"/>
           </a:p>
         </p:txBody>
       </p:sp>
@@ -706,38 +770,38 @@
           <a:p>
             <a:pPr lvl="0"/>
             <a:r>
-              <a:rPr lang="en-US"/>
-              <a:t>Edit Master text styles</a:t>
+              <a:rPr lang="x-none"/>
+              <a:t>Click to edit Master text styles</a:t>
             </a:r>
           </a:p>
           <a:p>
             <a:pPr lvl="1"/>
             <a:r>
-              <a:rPr lang="en-US"/>
+              <a:rPr lang="x-none"/>
               <a:t>Second level</a:t>
             </a:r>
           </a:p>
           <a:p>
             <a:pPr lvl="2"/>
             <a:r>
-              <a:rPr lang="en-US"/>
+              <a:rPr lang="x-none"/>
               <a:t>Third level</a:t>
             </a:r>
           </a:p>
           <a:p>
             <a:pPr lvl="3"/>
             <a:r>
-              <a:rPr lang="en-US"/>
+              <a:rPr lang="x-none"/>
               <a:t>Fourth level</a:t>
             </a:r>
           </a:p>
           <a:p>
             <a:pPr lvl="4"/>
             <a:r>
-              <a:rPr lang="en-US"/>
+              <a:rPr lang="x-none"/>
               <a:t>Fifth level</a:t>
             </a:r>
-            <a:endParaRPr lang="en-US" dirty="0"/>
+            <a:endParaRPr lang="en-US"/>
           </a:p>
         </p:txBody>
       </p:sp>
@@ -756,7 +820,7 @@
           <a:bodyPr/>
           <a:lstStyle/>
           <a:p>
-            <a:fld id="{FDC979BE-81B6-604D-8E7B-77755E8DD42A}" type="datetimeFigureOut">
+            <a:fld id="{3EA3A3A7-1F67-9A4A-B8E5-E029D492957D}" type="datetimeFigureOut">
               <a:rPr lang="en-US" smtClean="0"/>
               <a:t>6/12/18</a:t>
             </a:fld>
@@ -798,7 +862,7 @@
           <a:bodyPr/>
           <a:lstStyle/>
           <a:p>
-            <a:fld id="{7DD576A4-A635-C541-A9E9-F3D6BD2BC51C}" type="slidenum">
+            <a:fld id="{00D20BCD-7CB9-8747-B0C8-741641952E41}" type="slidenum">
               <a:rPr lang="en-US" smtClean="0"/>
               <a:t>‹#›</a:t>
             </a:fld>
@@ -809,7 +873,7 @@
     </p:spTree>
     <p:extLst>
       <p:ext uri="{BB962C8B-B14F-4D97-AF65-F5344CB8AC3E}">
-        <p14:creationId xmlns:p14="http://schemas.microsoft.com/office/powerpoint/2010/main" val="2269280712"/>
+        <p14:creationId xmlns:p14="http://schemas.microsoft.com/office/powerpoint/2010/main" val="201077183"/>
       </p:ext>
     </p:extLst>
   </p:cSld>
@@ -848,56 +912,58 @@
         </p:nvSpPr>
         <p:spPr>
           <a:xfrm>
-            <a:off x="392963" y="1076899"/>
-            <a:ext cx="4967526" cy="1796828"/>
+            <a:off x="853109" y="3470436"/>
+            <a:ext cx="9179799" cy="1072634"/>
           </a:xfrm>
         </p:spPr>
         <p:txBody>
+          <a:bodyPr anchor="t"/>
+          <a:lstStyle>
+            <a:lvl1pPr algn="l">
+              <a:defRPr sz="4000" b="1" cap="all"/>
+            </a:lvl1pPr>
+          </a:lstStyle>
+          <a:p>
+            <a:r>
+              <a:rPr lang="x-none"/>
+              <a:t>Click to edit Master title style</a:t>
+            </a:r>
+            <a:endParaRPr lang="en-US"/>
+          </a:p>
+        </p:txBody>
+      </p:sp>
+      <p:sp>
+        <p:nvSpPr>
+          <p:cNvPr id="3" name="Text Placeholder 2"/>
+          <p:cNvSpPr>
+            <a:spLocks noGrp="1"/>
+          </p:cNvSpPr>
+          <p:nvPr>
+            <p:ph type="body" idx="1"/>
+          </p:nvPr>
+        </p:nvSpPr>
+        <p:spPr>
+          <a:xfrm>
+            <a:off x="853109" y="2289037"/>
+            <a:ext cx="9179799" cy="1181398"/>
+          </a:xfrm>
+        </p:spPr>
+        <p:txBody>
           <a:bodyPr anchor="b"/>
           <a:lstStyle>
-            <a:lvl1pPr>
-              <a:defRPr sz="3779"/>
-            </a:lvl1pPr>
-          </a:lstStyle>
-          <a:p>
-            <a:r>
-              <a:rPr lang="en-US"/>
-              <a:t>Click to edit Master title style</a:t>
-            </a:r>
-            <a:endParaRPr lang="en-US" dirty="0"/>
-          </a:p>
-        </p:txBody>
-      </p:sp>
-      <p:sp>
-        <p:nvSpPr>
-          <p:cNvPr id="3" name="Text Placeholder 2"/>
-          <p:cNvSpPr>
-            <a:spLocks noGrp="1"/>
-          </p:cNvSpPr>
-          <p:nvPr>
-            <p:ph type="body" idx="1"/>
-          </p:nvPr>
-        </p:nvSpPr>
-        <p:spPr>
-          <a:xfrm>
-            <a:off x="392963" y="2890725"/>
-            <a:ext cx="4967526" cy="944910"/>
-          </a:xfrm>
-        </p:spPr>
-        <p:txBody>
-          <a:bodyPr/>
-          <a:lstStyle>
             <a:lvl1pPr marL="0" indent="0">
               <a:buNone/>
-              <a:defRPr sz="1512">
+              <a:defRPr sz="2000">
                 <a:solidFill>
-                  <a:schemeClr val="tx1"/>
+                  <a:schemeClr val="tx1">
+                    <a:tint val="75000"/>
+                  </a:schemeClr>
                 </a:solidFill>
               </a:defRPr>
             </a:lvl1pPr>
-            <a:lvl2pPr marL="287990" indent="0">
-              <a:buNone/>
-              <a:defRPr sz="1260">
+            <a:lvl2pPr marL="457200" indent="0">
+              <a:buNone/>
+              <a:defRPr sz="1800">
                 <a:solidFill>
                   <a:schemeClr val="tx1">
                     <a:tint val="75000"/>
@@ -905,9 +971,9 @@
                 </a:solidFill>
               </a:defRPr>
             </a:lvl2pPr>
-            <a:lvl3pPr marL="575981" indent="0">
-              <a:buNone/>
-              <a:defRPr sz="1134">
+            <a:lvl3pPr marL="914400" indent="0">
+              <a:buNone/>
+              <a:defRPr sz="1600">
                 <a:solidFill>
                   <a:schemeClr val="tx1">
                     <a:tint val="75000"/>
@@ -915,9 +981,9 @@
                 </a:solidFill>
               </a:defRPr>
             </a:lvl3pPr>
-            <a:lvl4pPr marL="863971" indent="0">
-              <a:buNone/>
-              <a:defRPr sz="1008">
+            <a:lvl4pPr marL="1371600" indent="0">
+              <a:buNone/>
+              <a:defRPr sz="1400">
                 <a:solidFill>
                   <a:schemeClr val="tx1">
                     <a:tint val="75000"/>
@@ -925,9 +991,9 @@
                 </a:solidFill>
               </a:defRPr>
             </a:lvl4pPr>
-            <a:lvl5pPr marL="1151961" indent="0">
-              <a:buNone/>
-              <a:defRPr sz="1008">
+            <a:lvl5pPr marL="1828800" indent="0">
+              <a:buNone/>
+              <a:defRPr sz="1400">
                 <a:solidFill>
                   <a:schemeClr val="tx1">
                     <a:tint val="75000"/>
@@ -935,9 +1001,9 @@
                 </a:solidFill>
               </a:defRPr>
             </a:lvl5pPr>
-            <a:lvl6pPr marL="1439951" indent="0">
-              <a:buNone/>
-              <a:defRPr sz="1008">
+            <a:lvl6pPr marL="2286000" indent="0">
+              <a:buNone/>
+              <a:defRPr sz="1400">
                 <a:solidFill>
                   <a:schemeClr val="tx1">
                     <a:tint val="75000"/>
@@ -945,9 +1011,9 @@
                 </a:solidFill>
               </a:defRPr>
             </a:lvl6pPr>
-            <a:lvl7pPr marL="1727942" indent="0">
-              <a:buNone/>
-              <a:defRPr sz="1008">
+            <a:lvl7pPr marL="2743200" indent="0">
+              <a:buNone/>
+              <a:defRPr sz="1400">
                 <a:solidFill>
                   <a:schemeClr val="tx1">
                     <a:tint val="75000"/>
@@ -955,9 +1021,9 @@
                 </a:solidFill>
               </a:defRPr>
             </a:lvl7pPr>
-            <a:lvl8pPr marL="2015932" indent="0">
-              <a:buNone/>
-              <a:defRPr sz="1008">
+            <a:lvl8pPr marL="3200400" indent="0">
+              <a:buNone/>
+              <a:defRPr sz="1400">
                 <a:solidFill>
                   <a:schemeClr val="tx1">
                     <a:tint val="75000"/>
@@ -965,9 +1031,9 @@
                 </a:solidFill>
               </a:defRPr>
             </a:lvl8pPr>
-            <a:lvl9pPr marL="2303922" indent="0">
-              <a:buNone/>
-              <a:defRPr sz="1008">
+            <a:lvl9pPr marL="3657600" indent="0">
+              <a:buNone/>
+              <a:defRPr sz="1400">
                 <a:solidFill>
                   <a:schemeClr val="tx1">
                     <a:tint val="75000"/>
@@ -979,8 +1045,8 @@
           <a:p>
             <a:pPr lvl="0"/>
             <a:r>
-              <a:rPr lang="en-US"/>
-              <a:t>Edit Master text styles</a:t>
+              <a:rPr lang="x-none"/>
+              <a:t>Click to edit Master text styles</a:t>
             </a:r>
           </a:p>
         </p:txBody>
@@ -1000,7 +1066,7 @@
           <a:bodyPr/>
           <a:lstStyle/>
           <a:p>
-            <a:fld id="{FDC979BE-81B6-604D-8E7B-77755E8DD42A}" type="datetimeFigureOut">
+            <a:fld id="{3EA3A3A7-1F67-9A4A-B8E5-E029D492957D}" type="datetimeFigureOut">
               <a:rPr lang="en-US" smtClean="0"/>
               <a:t>6/12/18</a:t>
             </a:fld>
@@ -1042,7 +1108,7 @@
           <a:bodyPr/>
           <a:lstStyle/>
           <a:p>
-            <a:fld id="{7DD576A4-A635-C541-A9E9-F3D6BD2BC51C}" type="slidenum">
+            <a:fld id="{00D20BCD-7CB9-8747-B0C8-741641952E41}" type="slidenum">
               <a:rPr lang="en-US" smtClean="0"/>
               <a:t>‹#›</a:t>
             </a:fld>
@@ -1053,7 +1119,7 @@
     </p:spTree>
     <p:extLst>
       <p:ext uri="{BB962C8B-B14F-4D97-AF65-F5344CB8AC3E}">
-        <p14:creationId xmlns:p14="http://schemas.microsoft.com/office/powerpoint/2010/main" val="3261446091"/>
+        <p14:creationId xmlns:p14="http://schemas.microsoft.com/office/powerpoint/2010/main" val="3383875281"/>
       </p:ext>
     </p:extLst>
   </p:cSld>
@@ -1096,10 +1162,10 @@
           <a:lstStyle/>
           <a:p>
             <a:r>
-              <a:rPr lang="en-US"/>
+              <a:rPr lang="x-none"/>
               <a:t>Click to edit Master title style</a:t>
             </a:r>
-            <a:endParaRPr lang="en-US" dirty="0"/>
+            <a:endParaRPr lang="en-US"/>
           </a:p>
         </p:txBody>
       </p:sp>
@@ -1115,48 +1181,76 @@
         </p:nvSpPr>
         <p:spPr>
           <a:xfrm>
-            <a:off x="395962" y="1149890"/>
-            <a:ext cx="2447766" cy="2740739"/>
+            <a:off x="539991" y="1260160"/>
+            <a:ext cx="4769895" cy="3564196"/>
           </a:xfrm>
         </p:spPr>
         <p:txBody>
           <a:bodyPr/>
-          <a:lstStyle/>
+          <a:lstStyle>
+            <a:lvl1pPr>
+              <a:defRPr sz="2800"/>
+            </a:lvl1pPr>
+            <a:lvl2pPr>
+              <a:defRPr sz="2400"/>
+            </a:lvl2pPr>
+            <a:lvl3pPr>
+              <a:defRPr sz="2000"/>
+            </a:lvl3pPr>
+            <a:lvl4pPr>
+              <a:defRPr sz="1800"/>
+            </a:lvl4pPr>
+            <a:lvl5pPr>
+              <a:defRPr sz="1800"/>
+            </a:lvl5pPr>
+            <a:lvl6pPr>
+              <a:defRPr sz="1800"/>
+            </a:lvl6pPr>
+            <a:lvl7pPr>
+              <a:defRPr sz="1800"/>
+            </a:lvl7pPr>
+            <a:lvl8pPr>
+              <a:defRPr sz="1800"/>
+            </a:lvl8pPr>
+            <a:lvl9pPr>
+              <a:defRPr sz="1800"/>
+            </a:lvl9pPr>
+          </a:lstStyle>
           <a:p>
             <a:pPr lvl="0"/>
             <a:r>
-              <a:rPr lang="en-US"/>
-              <a:t>Edit Master text styles</a:t>
+              <a:rPr lang="x-none"/>
+              <a:t>Click to edit Master text styles</a:t>
             </a:r>
           </a:p>
           <a:p>
             <a:pPr lvl="1"/>
             <a:r>
-              <a:rPr lang="en-US"/>
+              <a:rPr lang="x-none"/>
               <a:t>Second level</a:t>
             </a:r>
           </a:p>
           <a:p>
             <a:pPr lvl="2"/>
             <a:r>
-              <a:rPr lang="en-US"/>
+              <a:rPr lang="x-none"/>
               <a:t>Third level</a:t>
             </a:r>
           </a:p>
           <a:p>
             <a:pPr lvl="3"/>
             <a:r>
-              <a:rPr lang="en-US"/>
+              <a:rPr lang="x-none"/>
               <a:t>Fourth level</a:t>
             </a:r>
           </a:p>
           <a:p>
             <a:pPr lvl="4"/>
             <a:r>
-              <a:rPr lang="en-US"/>
+              <a:rPr lang="x-none"/>
               <a:t>Fifth level</a:t>
             </a:r>
-            <a:endParaRPr lang="en-US" dirty="0"/>
+            <a:endParaRPr lang="en-US"/>
           </a:p>
         </p:txBody>
       </p:sp>
@@ -1172,48 +1266,76 @@
         </p:nvSpPr>
         <p:spPr>
           <a:xfrm>
-            <a:off x="2915722" y="1149890"/>
-            <a:ext cx="2447766" cy="2740739"/>
+            <a:off x="5489881" y="1260160"/>
+            <a:ext cx="4769895" cy="3564196"/>
           </a:xfrm>
         </p:spPr>
         <p:txBody>
           <a:bodyPr/>
-          <a:lstStyle/>
+          <a:lstStyle>
+            <a:lvl1pPr>
+              <a:defRPr sz="2800"/>
+            </a:lvl1pPr>
+            <a:lvl2pPr>
+              <a:defRPr sz="2400"/>
+            </a:lvl2pPr>
+            <a:lvl3pPr>
+              <a:defRPr sz="2000"/>
+            </a:lvl3pPr>
+            <a:lvl4pPr>
+              <a:defRPr sz="1800"/>
+            </a:lvl4pPr>
+            <a:lvl5pPr>
+              <a:defRPr sz="1800"/>
+            </a:lvl5pPr>
+            <a:lvl6pPr>
+              <a:defRPr sz="1800"/>
+            </a:lvl6pPr>
+            <a:lvl7pPr>
+              <a:defRPr sz="1800"/>
+            </a:lvl7pPr>
+            <a:lvl8pPr>
+              <a:defRPr sz="1800"/>
+            </a:lvl8pPr>
+            <a:lvl9pPr>
+              <a:defRPr sz="1800"/>
+            </a:lvl9pPr>
+          </a:lstStyle>
           <a:p>
             <a:pPr lvl="0"/>
             <a:r>
-              <a:rPr lang="en-US"/>
-              <a:t>Edit Master text styles</a:t>
+              <a:rPr lang="x-none"/>
+              <a:t>Click to edit Master text styles</a:t>
             </a:r>
           </a:p>
           <a:p>
             <a:pPr lvl="1"/>
             <a:r>
-              <a:rPr lang="en-US"/>
+              <a:rPr lang="x-none"/>
               <a:t>Second level</a:t>
             </a:r>
           </a:p>
           <a:p>
             <a:pPr lvl="2"/>
             <a:r>
-              <a:rPr lang="en-US"/>
+              <a:rPr lang="x-none"/>
               <a:t>Third level</a:t>
             </a:r>
           </a:p>
           <a:p>
             <a:pPr lvl="3"/>
             <a:r>
-              <a:rPr lang="en-US"/>
+              <a:rPr lang="x-none"/>
               <a:t>Fourth level</a:t>
             </a:r>
           </a:p>
           <a:p>
             <a:pPr lvl="4"/>
             <a:r>
-              <a:rPr lang="en-US"/>
+              <a:rPr lang="x-none"/>
               <a:t>Fifth level</a:t>
             </a:r>
-            <a:endParaRPr lang="en-US" dirty="0"/>
+            <a:endParaRPr lang="en-US"/>
           </a:p>
         </p:txBody>
       </p:sp>
@@ -1232,7 +1354,7 @@
           <a:bodyPr/>
           <a:lstStyle/>
           <a:p>
-            <a:fld id="{FDC979BE-81B6-604D-8E7B-77755E8DD42A}" type="datetimeFigureOut">
+            <a:fld id="{3EA3A3A7-1F67-9A4A-B8E5-E029D492957D}" type="datetimeFigureOut">
               <a:rPr lang="en-US" smtClean="0"/>
               <a:t>6/12/18</a:t>
             </a:fld>
@@ -1274,7 +1396,7 @@
           <a:bodyPr/>
           <a:lstStyle/>
           <a:p>
-            <a:fld id="{7DD576A4-A635-C541-A9E9-F3D6BD2BC51C}" type="slidenum">
+            <a:fld id="{00D20BCD-7CB9-8747-B0C8-741641952E41}" type="slidenum">
               <a:rPr lang="en-US" smtClean="0"/>
               <a:t>‹#›</a:t>
             </a:fld>
@@ -1285,7 +1407,7 @@
     </p:spTree>
     <p:extLst>
       <p:ext uri="{BB962C8B-B14F-4D97-AF65-F5344CB8AC3E}">
-        <p14:creationId xmlns:p14="http://schemas.microsoft.com/office/powerpoint/2010/main" val="2205428610"/>
+        <p14:creationId xmlns:p14="http://schemas.microsoft.com/office/powerpoint/2010/main" val="3277609322"/>
       </p:ext>
     </p:extLst>
   </p:cSld>
@@ -1322,38 +1444,37 @@
             <p:ph type="title"/>
           </p:nvPr>
         </p:nvSpPr>
+        <p:spPr/>
+        <p:txBody>
+          <a:bodyPr/>
+          <a:lstStyle>
+            <a:lvl1pPr>
+              <a:defRPr/>
+            </a:lvl1pPr>
+          </a:lstStyle>
+          <a:p>
+            <a:r>
+              <a:rPr lang="x-none"/>
+              <a:t>Click to edit Master title style</a:t>
+            </a:r>
+            <a:endParaRPr lang="en-US"/>
+          </a:p>
+        </p:txBody>
+      </p:sp>
+      <p:sp>
+        <p:nvSpPr>
+          <p:cNvPr id="3" name="Text Placeholder 2"/>
+          <p:cNvSpPr>
+            <a:spLocks noGrp="1"/>
+          </p:cNvSpPr>
+          <p:nvPr>
+            <p:ph type="body" idx="1"/>
+          </p:nvPr>
+        </p:nvSpPr>
         <p:spPr>
           <a:xfrm>
-            <a:off x="396712" y="229979"/>
-            <a:ext cx="4967526" cy="834921"/>
-          </a:xfrm>
-        </p:spPr>
-        <p:txBody>
-          <a:bodyPr/>
-          <a:lstStyle/>
-          <a:p>
-            <a:r>
-              <a:rPr lang="en-US"/>
-              <a:t>Click to edit Master title style</a:t>
-            </a:r>
-            <a:endParaRPr lang="en-US" dirty="0"/>
-          </a:p>
-        </p:txBody>
-      </p:sp>
-      <p:sp>
-        <p:nvSpPr>
-          <p:cNvPr id="3" name="Text Placeholder 2"/>
-          <p:cNvSpPr>
-            <a:spLocks noGrp="1"/>
-          </p:cNvSpPr>
-          <p:nvPr>
-            <p:ph type="body" idx="1"/>
-          </p:nvPr>
-        </p:nvSpPr>
-        <p:spPr>
-          <a:xfrm>
-            <a:off x="396713" y="1058899"/>
-            <a:ext cx="2436517" cy="518950"/>
+            <a:off x="539991" y="1208902"/>
+            <a:ext cx="4771771" cy="503813"/>
           </a:xfrm>
         </p:spPr>
         <p:txBody>
@@ -1361,46 +1482,46 @@
           <a:lstStyle>
             <a:lvl1pPr marL="0" indent="0">
               <a:buNone/>
-              <a:defRPr sz="1512" b="1"/>
+              <a:defRPr sz="2400" b="1"/>
             </a:lvl1pPr>
-            <a:lvl2pPr marL="287990" indent="0">
-              <a:buNone/>
-              <a:defRPr sz="1260" b="1"/>
+            <a:lvl2pPr marL="457200" indent="0">
+              <a:buNone/>
+              <a:defRPr sz="2000" b="1"/>
             </a:lvl2pPr>
-            <a:lvl3pPr marL="575981" indent="0">
-              <a:buNone/>
-              <a:defRPr sz="1134" b="1"/>
+            <a:lvl3pPr marL="914400" indent="0">
+              <a:buNone/>
+              <a:defRPr sz="1800" b="1"/>
             </a:lvl3pPr>
-            <a:lvl4pPr marL="863971" indent="0">
-              <a:buNone/>
-              <a:defRPr sz="1008" b="1"/>
+            <a:lvl4pPr marL="1371600" indent="0">
+              <a:buNone/>
+              <a:defRPr sz="1600" b="1"/>
             </a:lvl4pPr>
-            <a:lvl5pPr marL="1151961" indent="0">
-              <a:buNone/>
-              <a:defRPr sz="1008" b="1"/>
+            <a:lvl5pPr marL="1828800" indent="0">
+              <a:buNone/>
+              <a:defRPr sz="1600" b="1"/>
             </a:lvl5pPr>
-            <a:lvl6pPr marL="1439951" indent="0">
-              <a:buNone/>
-              <a:defRPr sz="1008" b="1"/>
+            <a:lvl6pPr marL="2286000" indent="0">
+              <a:buNone/>
+              <a:defRPr sz="1600" b="1"/>
             </a:lvl6pPr>
-            <a:lvl7pPr marL="1727942" indent="0">
-              <a:buNone/>
-              <a:defRPr sz="1008" b="1"/>
+            <a:lvl7pPr marL="2743200" indent="0">
+              <a:buNone/>
+              <a:defRPr sz="1600" b="1"/>
             </a:lvl7pPr>
-            <a:lvl8pPr marL="2015932" indent="0">
-              <a:buNone/>
-              <a:defRPr sz="1008" b="1"/>
+            <a:lvl8pPr marL="3200400" indent="0">
+              <a:buNone/>
+              <a:defRPr sz="1600" b="1"/>
             </a:lvl8pPr>
-            <a:lvl9pPr marL="2303922" indent="0">
-              <a:buNone/>
-              <a:defRPr sz="1008" b="1"/>
+            <a:lvl9pPr marL="3657600" indent="0">
+              <a:buNone/>
+              <a:defRPr sz="1600" b="1"/>
             </a:lvl9pPr>
           </a:lstStyle>
           <a:p>
             <a:pPr lvl="0"/>
             <a:r>
-              <a:rPr lang="en-US"/>
-              <a:t>Edit Master text styles</a:t>
+              <a:rPr lang="x-none"/>
+              <a:t>Click to edit Master text styles</a:t>
             </a:r>
           </a:p>
         </p:txBody>
@@ -1417,48 +1538,76 @@
         </p:nvSpPr>
         <p:spPr>
           <a:xfrm>
-            <a:off x="396713" y="1577849"/>
-            <a:ext cx="2436517" cy="2320779"/>
+            <a:off x="539991" y="1712714"/>
+            <a:ext cx="4771771" cy="3111639"/>
           </a:xfrm>
         </p:spPr>
         <p:txBody>
           <a:bodyPr/>
-          <a:lstStyle/>
+          <a:lstStyle>
+            <a:lvl1pPr>
+              <a:defRPr sz="2400"/>
+            </a:lvl1pPr>
+            <a:lvl2pPr>
+              <a:defRPr sz="2000"/>
+            </a:lvl2pPr>
+            <a:lvl3pPr>
+              <a:defRPr sz="1800"/>
+            </a:lvl3pPr>
+            <a:lvl4pPr>
+              <a:defRPr sz="1600"/>
+            </a:lvl4pPr>
+            <a:lvl5pPr>
+              <a:defRPr sz="1600"/>
+            </a:lvl5pPr>
+            <a:lvl6pPr>
+              <a:defRPr sz="1600"/>
+            </a:lvl6pPr>
+            <a:lvl7pPr>
+              <a:defRPr sz="1600"/>
+            </a:lvl7pPr>
+            <a:lvl8pPr>
+              <a:defRPr sz="1600"/>
+            </a:lvl8pPr>
+            <a:lvl9pPr>
+              <a:defRPr sz="1600"/>
+            </a:lvl9pPr>
+          </a:lstStyle>
           <a:p>
             <a:pPr lvl="0"/>
             <a:r>
-              <a:rPr lang="en-US"/>
-              <a:t>Edit Master text styles</a:t>
+              <a:rPr lang="x-none"/>
+              <a:t>Click to edit Master text styles</a:t>
             </a:r>
           </a:p>
           <a:p>
             <a:pPr lvl="1"/>
             <a:r>
-              <a:rPr lang="en-US"/>
+              <a:rPr lang="x-none"/>
               <a:t>Second level</a:t>
             </a:r>
           </a:p>
           <a:p>
             <a:pPr lvl="2"/>
             <a:r>
-              <a:rPr lang="en-US"/>
+              <a:rPr lang="x-none"/>
               <a:t>Third level</a:t>
             </a:r>
           </a:p>
           <a:p>
             <a:pPr lvl="3"/>
             <a:r>
-              <a:rPr lang="en-US"/>
+              <a:rPr lang="x-none"/>
               <a:t>Fourth level</a:t>
             </a:r>
           </a:p>
           <a:p>
             <a:pPr lvl="4"/>
             <a:r>
-              <a:rPr lang="en-US"/>
+              <a:rPr lang="x-none"/>
               <a:t>Fifth level</a:t>
             </a:r>
-            <a:endParaRPr lang="en-US" dirty="0"/>
+            <a:endParaRPr lang="en-US"/>
           </a:p>
         </p:txBody>
       </p:sp>
@@ -1474,8 +1623,8 @@
         </p:nvSpPr>
         <p:spPr>
           <a:xfrm>
-            <a:off x="2915722" y="1058899"/>
-            <a:ext cx="2448516" cy="518950"/>
+            <a:off x="5486132" y="1208902"/>
+            <a:ext cx="4773645" cy="503813"/>
           </a:xfrm>
         </p:spPr>
         <p:txBody>
@@ -1483,46 +1632,46 @@
           <a:lstStyle>
             <a:lvl1pPr marL="0" indent="0">
               <a:buNone/>
-              <a:defRPr sz="1512" b="1"/>
+              <a:defRPr sz="2400" b="1"/>
             </a:lvl1pPr>
-            <a:lvl2pPr marL="287990" indent="0">
-              <a:buNone/>
-              <a:defRPr sz="1260" b="1"/>
+            <a:lvl2pPr marL="457200" indent="0">
+              <a:buNone/>
+              <a:defRPr sz="2000" b="1"/>
             </a:lvl2pPr>
-            <a:lvl3pPr marL="575981" indent="0">
-              <a:buNone/>
-              <a:defRPr sz="1134" b="1"/>
+            <a:lvl3pPr marL="914400" indent="0">
+              <a:buNone/>
+              <a:defRPr sz="1800" b="1"/>
             </a:lvl3pPr>
-            <a:lvl4pPr marL="863971" indent="0">
-              <a:buNone/>
-              <a:defRPr sz="1008" b="1"/>
+            <a:lvl4pPr marL="1371600" indent="0">
+              <a:buNone/>
+              <a:defRPr sz="1600" b="1"/>
             </a:lvl4pPr>
-            <a:lvl5pPr marL="1151961" indent="0">
-              <a:buNone/>
-              <a:defRPr sz="1008" b="1"/>
+            <a:lvl5pPr marL="1828800" indent="0">
+              <a:buNone/>
+              <a:defRPr sz="1600" b="1"/>
             </a:lvl5pPr>
-            <a:lvl6pPr marL="1439951" indent="0">
-              <a:buNone/>
-              <a:defRPr sz="1008" b="1"/>
+            <a:lvl6pPr marL="2286000" indent="0">
+              <a:buNone/>
+              <a:defRPr sz="1600" b="1"/>
             </a:lvl6pPr>
-            <a:lvl7pPr marL="1727942" indent="0">
-              <a:buNone/>
-              <a:defRPr sz="1008" b="1"/>
+            <a:lvl7pPr marL="2743200" indent="0">
+              <a:buNone/>
+              <a:defRPr sz="1600" b="1"/>
             </a:lvl7pPr>
-            <a:lvl8pPr marL="2015932" indent="0">
-              <a:buNone/>
-              <a:defRPr sz="1008" b="1"/>
+            <a:lvl8pPr marL="3200400" indent="0">
+              <a:buNone/>
+              <a:defRPr sz="1600" b="1"/>
             </a:lvl8pPr>
-            <a:lvl9pPr marL="2303922" indent="0">
-              <a:buNone/>
-              <a:defRPr sz="1008" b="1"/>
+            <a:lvl9pPr marL="3657600" indent="0">
+              <a:buNone/>
+              <a:defRPr sz="1600" b="1"/>
             </a:lvl9pPr>
           </a:lstStyle>
           <a:p>
             <a:pPr lvl="0"/>
             <a:r>
-              <a:rPr lang="en-US"/>
-              <a:t>Edit Master text styles</a:t>
+              <a:rPr lang="x-none"/>
+              <a:t>Click to edit Master text styles</a:t>
             </a:r>
           </a:p>
         </p:txBody>
@@ -1539,48 +1688,76 @@
         </p:nvSpPr>
         <p:spPr>
           <a:xfrm>
-            <a:off x="2915722" y="1577849"/>
-            <a:ext cx="2448516" cy="2320779"/>
+            <a:off x="5486132" y="1712714"/>
+            <a:ext cx="4773645" cy="3111639"/>
           </a:xfrm>
         </p:spPr>
         <p:txBody>
           <a:bodyPr/>
-          <a:lstStyle/>
+          <a:lstStyle>
+            <a:lvl1pPr>
+              <a:defRPr sz="2400"/>
+            </a:lvl1pPr>
+            <a:lvl2pPr>
+              <a:defRPr sz="2000"/>
+            </a:lvl2pPr>
+            <a:lvl3pPr>
+              <a:defRPr sz="1800"/>
+            </a:lvl3pPr>
+            <a:lvl4pPr>
+              <a:defRPr sz="1600"/>
+            </a:lvl4pPr>
+            <a:lvl5pPr>
+              <a:defRPr sz="1600"/>
+            </a:lvl5pPr>
+            <a:lvl6pPr>
+              <a:defRPr sz="1600"/>
+            </a:lvl6pPr>
+            <a:lvl7pPr>
+              <a:defRPr sz="1600"/>
+            </a:lvl7pPr>
+            <a:lvl8pPr>
+              <a:defRPr sz="1600"/>
+            </a:lvl8pPr>
+            <a:lvl9pPr>
+              <a:defRPr sz="1600"/>
+            </a:lvl9pPr>
+          </a:lstStyle>
           <a:p>
             <a:pPr lvl="0"/>
             <a:r>
-              <a:rPr lang="en-US"/>
-              <a:t>Edit Master text styles</a:t>
+              <a:rPr lang="x-none"/>
+              <a:t>Click to edit Master text styles</a:t>
             </a:r>
           </a:p>
           <a:p>
             <a:pPr lvl="1"/>
             <a:r>
-              <a:rPr lang="en-US"/>
+              <a:rPr lang="x-none"/>
               <a:t>Second level</a:t>
             </a:r>
           </a:p>
           <a:p>
             <a:pPr lvl="2"/>
             <a:r>
-              <a:rPr lang="en-US"/>
+              <a:rPr lang="x-none"/>
               <a:t>Third level</a:t>
             </a:r>
           </a:p>
           <a:p>
             <a:pPr lvl="3"/>
             <a:r>
-              <a:rPr lang="en-US"/>
+              <a:rPr lang="x-none"/>
               <a:t>Fourth level</a:t>
             </a:r>
           </a:p>
           <a:p>
             <a:pPr lvl="4"/>
             <a:r>
-              <a:rPr lang="en-US"/>
+              <a:rPr lang="x-none"/>
               <a:t>Fifth level</a:t>
             </a:r>
-            <a:endParaRPr lang="en-US" dirty="0"/>
+            <a:endParaRPr lang="en-US"/>
           </a:p>
         </p:txBody>
       </p:sp>
@@ -1599,7 +1776,7 @@
           <a:bodyPr/>
           <a:lstStyle/>
           <a:p>
-            <a:fld id="{FDC979BE-81B6-604D-8E7B-77755E8DD42A}" type="datetimeFigureOut">
+            <a:fld id="{3EA3A3A7-1F67-9A4A-B8E5-E029D492957D}" type="datetimeFigureOut">
               <a:rPr lang="en-US" smtClean="0"/>
               <a:t>6/12/18</a:t>
             </a:fld>
@@ -1641,7 +1818,7 @@
           <a:bodyPr/>
           <a:lstStyle/>
           <a:p>
-            <a:fld id="{7DD576A4-A635-C541-A9E9-F3D6BD2BC51C}" type="slidenum">
+            <a:fld id="{00D20BCD-7CB9-8747-B0C8-741641952E41}" type="slidenum">
               <a:rPr lang="en-US" smtClean="0"/>
               <a:t>‹#›</a:t>
             </a:fld>
@@ -1652,7 +1829,7 @@
     </p:spTree>
     <p:extLst>
       <p:ext uri="{BB962C8B-B14F-4D97-AF65-F5344CB8AC3E}">
-        <p14:creationId xmlns:p14="http://schemas.microsoft.com/office/powerpoint/2010/main" val="3427232084"/>
+        <p14:creationId xmlns:p14="http://schemas.microsoft.com/office/powerpoint/2010/main" val="1703563220"/>
       </p:ext>
     </p:extLst>
   </p:cSld>
@@ -1695,10 +1872,10 @@
           <a:lstStyle/>
           <a:p>
             <a:r>
-              <a:rPr lang="en-US"/>
+              <a:rPr lang="x-none"/>
               <a:t>Click to edit Master title style</a:t>
             </a:r>
-            <a:endParaRPr lang="en-US" dirty="0"/>
+            <a:endParaRPr lang="en-US"/>
           </a:p>
         </p:txBody>
       </p:sp>
@@ -1717,7 +1894,7 @@
           <a:bodyPr/>
           <a:lstStyle/>
           <a:p>
-            <a:fld id="{FDC979BE-81B6-604D-8E7B-77755E8DD42A}" type="datetimeFigureOut">
+            <a:fld id="{3EA3A3A7-1F67-9A4A-B8E5-E029D492957D}" type="datetimeFigureOut">
               <a:rPr lang="en-US" smtClean="0"/>
               <a:t>6/12/18</a:t>
             </a:fld>
@@ -1759,7 +1936,7 @@
           <a:bodyPr/>
           <a:lstStyle/>
           <a:p>
-            <a:fld id="{7DD576A4-A635-C541-A9E9-F3D6BD2BC51C}" type="slidenum">
+            <a:fld id="{00D20BCD-7CB9-8747-B0C8-741641952E41}" type="slidenum">
               <a:rPr lang="en-US" smtClean="0"/>
               <a:t>‹#›</a:t>
             </a:fld>
@@ -1770,7 +1947,7 @@
     </p:spTree>
     <p:extLst>
       <p:ext uri="{BB962C8B-B14F-4D97-AF65-F5344CB8AC3E}">
-        <p14:creationId xmlns:p14="http://schemas.microsoft.com/office/powerpoint/2010/main" val="3911415995"/>
+        <p14:creationId xmlns:p14="http://schemas.microsoft.com/office/powerpoint/2010/main" val="389548753"/>
       </p:ext>
     </p:extLst>
   </p:cSld>
@@ -1812,7 +1989,7 @@
           <a:bodyPr/>
           <a:lstStyle/>
           <a:p>
-            <a:fld id="{FDC979BE-81B6-604D-8E7B-77755E8DD42A}" type="datetimeFigureOut">
+            <a:fld id="{3EA3A3A7-1F67-9A4A-B8E5-E029D492957D}" type="datetimeFigureOut">
               <a:rPr lang="en-US" smtClean="0"/>
               <a:t>6/12/18</a:t>
             </a:fld>
@@ -1854,7 +2031,7 @@
           <a:bodyPr/>
           <a:lstStyle/>
           <a:p>
-            <a:fld id="{7DD576A4-A635-C541-A9E9-F3D6BD2BC51C}" type="slidenum">
+            <a:fld id="{00D20BCD-7CB9-8747-B0C8-741641952E41}" type="slidenum">
               <a:rPr lang="en-US" smtClean="0"/>
               <a:t>‹#›</a:t>
             </a:fld>
@@ -1865,7 +2042,7 @@
     </p:spTree>
     <p:extLst>
       <p:ext uri="{BB962C8B-B14F-4D97-AF65-F5344CB8AC3E}">
-        <p14:creationId xmlns:p14="http://schemas.microsoft.com/office/powerpoint/2010/main" val="1075980443"/>
+        <p14:creationId xmlns:p14="http://schemas.microsoft.com/office/powerpoint/2010/main" val="3796042574"/>
       </p:ext>
     </p:extLst>
   </p:cSld>
@@ -1904,23 +2081,23 @@
         </p:nvSpPr>
         <p:spPr>
           <a:xfrm>
-            <a:off x="396712" y="287972"/>
-            <a:ext cx="1857573" cy="1007904"/>
+            <a:off x="539989" y="215026"/>
+            <a:ext cx="3553048" cy="915115"/>
           </a:xfrm>
         </p:spPr>
         <p:txBody>
           <a:bodyPr anchor="b"/>
           <a:lstStyle>
-            <a:lvl1pPr>
-              <a:defRPr sz="2016"/>
+            <a:lvl1pPr algn="l">
+              <a:defRPr sz="2000" b="1"/>
             </a:lvl1pPr>
           </a:lstStyle>
           <a:p>
             <a:r>
-              <a:rPr lang="en-US"/>
+              <a:rPr lang="x-none"/>
               <a:t>Click to edit Master title style</a:t>
             </a:r>
-            <a:endParaRPr lang="en-US" dirty="0"/>
+            <a:endParaRPr lang="en-US"/>
           </a:p>
         </p:txBody>
       </p:sp>
@@ -1936,76 +2113,76 @@
         </p:nvSpPr>
         <p:spPr>
           <a:xfrm>
-            <a:off x="2448516" y="621942"/>
-            <a:ext cx="2915722" cy="3069707"/>
+            <a:off x="4222410" y="215029"/>
+            <a:ext cx="6037367" cy="4609327"/>
           </a:xfrm>
         </p:spPr>
         <p:txBody>
           <a:bodyPr/>
           <a:lstStyle>
             <a:lvl1pPr>
-              <a:defRPr sz="2016"/>
+              <a:defRPr sz="3200"/>
             </a:lvl1pPr>
             <a:lvl2pPr>
-              <a:defRPr sz="1764"/>
+              <a:defRPr sz="2800"/>
             </a:lvl2pPr>
             <a:lvl3pPr>
-              <a:defRPr sz="1512"/>
+              <a:defRPr sz="2400"/>
             </a:lvl3pPr>
             <a:lvl4pPr>
-              <a:defRPr sz="1260"/>
+              <a:defRPr sz="2000"/>
             </a:lvl4pPr>
             <a:lvl5pPr>
-              <a:defRPr sz="1260"/>
+              <a:defRPr sz="2000"/>
             </a:lvl5pPr>
             <a:lvl6pPr>
-              <a:defRPr sz="1260"/>
+              <a:defRPr sz="2000"/>
             </a:lvl6pPr>
             <a:lvl7pPr>
-              <a:defRPr sz="1260"/>
+              <a:defRPr sz="2000"/>
             </a:lvl7pPr>
             <a:lvl8pPr>
-              <a:defRPr sz="1260"/>
+              <a:defRPr sz="2000"/>
             </a:lvl8pPr>
             <a:lvl9pPr>
-              <a:defRPr sz="1260"/>
+              <a:defRPr sz="2000"/>
             </a:lvl9pPr>
           </a:lstStyle>
           <a:p>
             <a:pPr lvl="0"/>
             <a:r>
-              <a:rPr lang="en-US"/>
-              <a:t>Edit Master text styles</a:t>
+              <a:rPr lang="x-none"/>
+              <a:t>Click to edit Master text styles</a:t>
             </a:r>
           </a:p>
           <a:p>
             <a:pPr lvl="1"/>
             <a:r>
-              <a:rPr lang="en-US"/>
+              <a:rPr lang="x-none"/>
               <a:t>Second level</a:t>
             </a:r>
           </a:p>
           <a:p>
             <a:pPr lvl="2"/>
             <a:r>
-              <a:rPr lang="en-US"/>
+              <a:rPr lang="x-none"/>
               <a:t>Third level</a:t>
             </a:r>
           </a:p>
           <a:p>
             <a:pPr lvl="3"/>
             <a:r>
-              <a:rPr lang="en-US"/>
+              <a:rPr lang="x-none"/>
               <a:t>Fourth level</a:t>
             </a:r>
           </a:p>
           <a:p>
             <a:pPr lvl="4"/>
             <a:r>
-              <a:rPr lang="en-US"/>
+              <a:rPr lang="x-none"/>
               <a:t>Fifth level</a:t>
             </a:r>
-            <a:endParaRPr lang="en-US" dirty="0"/>
+            <a:endParaRPr lang="en-US"/>
           </a:p>
         </p:txBody>
       </p:sp>
@@ -2021,8 +2198,8 @@
         </p:nvSpPr>
         <p:spPr>
           <a:xfrm>
-            <a:off x="396712" y="1295877"/>
-            <a:ext cx="1857573" cy="2400771"/>
+            <a:off x="539989" y="1130143"/>
+            <a:ext cx="3553048" cy="3694212"/>
           </a:xfrm>
         </p:spPr>
         <p:txBody>
@@ -2030,46 +2207,46 @@
           <a:lstStyle>
             <a:lvl1pPr marL="0" indent="0">
               <a:buNone/>
-              <a:defRPr sz="1008"/>
+              <a:defRPr sz="1400"/>
             </a:lvl1pPr>
-            <a:lvl2pPr marL="287990" indent="0">
-              <a:buNone/>
-              <a:defRPr sz="882"/>
+            <a:lvl2pPr marL="457200" indent="0">
+              <a:buNone/>
+              <a:defRPr sz="1200"/>
             </a:lvl2pPr>
-            <a:lvl3pPr marL="575981" indent="0">
-              <a:buNone/>
-              <a:defRPr sz="756"/>
+            <a:lvl3pPr marL="914400" indent="0">
+              <a:buNone/>
+              <a:defRPr sz="1000"/>
             </a:lvl3pPr>
-            <a:lvl4pPr marL="863971" indent="0">
-              <a:buNone/>
-              <a:defRPr sz="630"/>
+            <a:lvl4pPr marL="1371600" indent="0">
+              <a:buNone/>
+              <a:defRPr sz="900"/>
             </a:lvl4pPr>
-            <a:lvl5pPr marL="1151961" indent="0">
-              <a:buNone/>
-              <a:defRPr sz="630"/>
+            <a:lvl5pPr marL="1828800" indent="0">
+              <a:buNone/>
+              <a:defRPr sz="900"/>
             </a:lvl5pPr>
-            <a:lvl6pPr marL="1439951" indent="0">
-              <a:buNone/>
-              <a:defRPr sz="630"/>
+            <a:lvl6pPr marL="2286000" indent="0">
+              <a:buNone/>
+              <a:defRPr sz="900"/>
             </a:lvl6pPr>
-            <a:lvl7pPr marL="1727942" indent="0">
-              <a:buNone/>
-              <a:defRPr sz="630"/>
+            <a:lvl7pPr marL="2743200" indent="0">
+              <a:buNone/>
+              <a:defRPr sz="900"/>
             </a:lvl7pPr>
-            <a:lvl8pPr marL="2015932" indent="0">
-              <a:buNone/>
-              <a:defRPr sz="630"/>
+            <a:lvl8pPr marL="3200400" indent="0">
+              <a:buNone/>
+              <a:defRPr sz="900"/>
             </a:lvl8pPr>
-            <a:lvl9pPr marL="2303922" indent="0">
-              <a:buNone/>
-              <a:defRPr sz="630"/>
+            <a:lvl9pPr marL="3657600" indent="0">
+              <a:buNone/>
+              <a:defRPr sz="900"/>
             </a:lvl9pPr>
           </a:lstStyle>
           <a:p>
             <a:pPr lvl="0"/>
             <a:r>
-              <a:rPr lang="en-US"/>
-              <a:t>Edit Master text styles</a:t>
+              <a:rPr lang="x-none"/>
+              <a:t>Click to edit Master text styles</a:t>
             </a:r>
           </a:p>
         </p:txBody>
@@ -2089,7 +2266,7 @@
           <a:bodyPr/>
           <a:lstStyle/>
           <a:p>
-            <a:fld id="{FDC979BE-81B6-604D-8E7B-77755E8DD42A}" type="datetimeFigureOut">
+            <a:fld id="{3EA3A3A7-1F67-9A4A-B8E5-E029D492957D}" type="datetimeFigureOut">
               <a:rPr lang="en-US" smtClean="0"/>
               <a:t>6/12/18</a:t>
             </a:fld>
@@ -2131,7 +2308,7 @@
           <a:bodyPr/>
           <a:lstStyle/>
           <a:p>
-            <a:fld id="{7DD576A4-A635-C541-A9E9-F3D6BD2BC51C}" type="slidenum">
+            <a:fld id="{00D20BCD-7CB9-8747-B0C8-741641952E41}" type="slidenum">
               <a:rPr lang="en-US" smtClean="0"/>
               <a:t>‹#›</a:t>
             </a:fld>
@@ -2142,7 +2319,7 @@
     </p:spTree>
     <p:extLst>
       <p:ext uri="{BB962C8B-B14F-4D97-AF65-F5344CB8AC3E}">
-        <p14:creationId xmlns:p14="http://schemas.microsoft.com/office/powerpoint/2010/main" val="2378325463"/>
+        <p14:creationId xmlns:p14="http://schemas.microsoft.com/office/powerpoint/2010/main" val="3128839206"/>
       </p:ext>
     </p:extLst>
   </p:cSld>
@@ -2181,23 +2358,23 @@
         </p:nvSpPr>
         <p:spPr>
           <a:xfrm>
-            <a:off x="396712" y="287972"/>
-            <a:ext cx="1857573" cy="1007904"/>
+            <a:off x="2116829" y="3780474"/>
+            <a:ext cx="6479858" cy="446306"/>
           </a:xfrm>
         </p:spPr>
         <p:txBody>
           <a:bodyPr anchor="b"/>
           <a:lstStyle>
-            <a:lvl1pPr>
-              <a:defRPr sz="2016"/>
+            <a:lvl1pPr algn="l">
+              <a:defRPr sz="2000" b="1"/>
             </a:lvl1pPr>
           </a:lstStyle>
           <a:p>
             <a:r>
-              <a:rPr lang="en-US"/>
+              <a:rPr lang="x-none"/>
               <a:t>Click to edit Master title style</a:t>
             </a:r>
-            <a:endParaRPr lang="en-US" dirty="0"/>
+            <a:endParaRPr lang="en-US"/>
           </a:p>
         </p:txBody>
       </p:sp>
@@ -2205,7 +2382,7 @@
         <p:nvSpPr>
           <p:cNvPr id="3" name="Picture Placeholder 2"/>
           <p:cNvSpPr>
-            <a:spLocks noGrp="1" noChangeAspect="1"/>
+            <a:spLocks noGrp="1"/>
           </p:cNvSpPr>
           <p:nvPr>
             <p:ph type="pic" idx="1"/>
@@ -2213,56 +2390,52 @@
         </p:nvSpPr>
         <p:spPr>
           <a:xfrm>
-            <a:off x="2448516" y="621942"/>
-            <a:ext cx="2915722" cy="3069707"/>
+            <a:off x="2116829" y="482561"/>
+            <a:ext cx="6479858" cy="3240405"/>
           </a:xfrm>
         </p:spPr>
         <p:txBody>
-          <a:bodyPr anchor="t"/>
+          <a:bodyPr/>
           <a:lstStyle>
             <a:lvl1pPr marL="0" indent="0">
               <a:buNone/>
-              <a:defRPr sz="2016"/>
+              <a:defRPr sz="3200"/>
             </a:lvl1pPr>
-            <a:lvl2pPr marL="287990" indent="0">
-              <a:buNone/>
-              <a:defRPr sz="1764"/>
+            <a:lvl2pPr marL="457200" indent="0">
+              <a:buNone/>
+              <a:defRPr sz="2800"/>
             </a:lvl2pPr>
-            <a:lvl3pPr marL="575981" indent="0">
-              <a:buNone/>
-              <a:defRPr sz="1512"/>
+            <a:lvl3pPr marL="914400" indent="0">
+              <a:buNone/>
+              <a:defRPr sz="2400"/>
             </a:lvl3pPr>
-            <a:lvl4pPr marL="863971" indent="0">
-              <a:buNone/>
-              <a:defRPr sz="1260"/>
+            <a:lvl4pPr marL="1371600" indent="0">
+              <a:buNone/>
+              <a:defRPr sz="2000"/>
             </a:lvl4pPr>
-            <a:lvl5pPr marL="1151961" indent="0">
-              <a:buNone/>
-              <a:defRPr sz="1260"/>
+            <a:lvl5pPr marL="1828800" indent="0">
+              <a:buNone/>
+              <a:defRPr sz="2000"/>
             </a:lvl5pPr>
-            <a:lvl6pPr marL="1439951" indent="0">
-              <a:buNone/>
-              <a:defRPr sz="1260"/>
+            <a:lvl6pPr marL="2286000" indent="0">
+              <a:buNone/>
+              <a:defRPr sz="2000"/>
             </a:lvl6pPr>
-            <a:lvl7pPr marL="1727942" indent="0">
-              <a:buNone/>
-              <a:defRPr sz="1260"/>
+            <a:lvl7pPr marL="2743200" indent="0">
+              <a:buNone/>
+              <a:defRPr sz="2000"/>
             </a:lvl7pPr>
-            <a:lvl8pPr marL="2015932" indent="0">
-              <a:buNone/>
-              <a:defRPr sz="1260"/>
+            <a:lvl8pPr marL="3200400" indent="0">
+              <a:buNone/>
+              <a:defRPr sz="2000"/>
             </a:lvl8pPr>
-            <a:lvl9pPr marL="2303922" indent="0">
-              <a:buNone/>
-              <a:defRPr sz="1260"/>
+            <a:lvl9pPr marL="3657600" indent="0">
+              <a:buNone/>
+              <a:defRPr sz="2000"/>
             </a:lvl9pPr>
           </a:lstStyle>
           <a:p>
-            <a:r>
-              <a:rPr lang="en-US"/>
-              <a:t>Click icon to add picture</a:t>
-            </a:r>
-            <a:endParaRPr lang="en-US" dirty="0"/>
+            <a:endParaRPr lang="en-US"/>
           </a:p>
         </p:txBody>
       </p:sp>
@@ -2278,8 +2451,8 @@
         </p:nvSpPr>
         <p:spPr>
           <a:xfrm>
-            <a:off x="396712" y="1295877"/>
-            <a:ext cx="1857573" cy="2400771"/>
+            <a:off x="2116829" y="4226780"/>
+            <a:ext cx="6479858" cy="633829"/>
           </a:xfrm>
         </p:spPr>
         <p:txBody>
@@ -2287,46 +2460,46 @@
           <a:lstStyle>
             <a:lvl1pPr marL="0" indent="0">
               <a:buNone/>
-              <a:defRPr sz="1008"/>
+              <a:defRPr sz="1400"/>
             </a:lvl1pPr>
-            <a:lvl2pPr marL="287990" indent="0">
-              <a:buNone/>
-              <a:defRPr sz="882"/>
+            <a:lvl2pPr marL="457200" indent="0">
+              <a:buNone/>
+              <a:defRPr sz="1200"/>
             </a:lvl2pPr>
-            <a:lvl3pPr marL="575981" indent="0">
-              <a:buNone/>
-              <a:defRPr sz="756"/>
+            <a:lvl3pPr marL="914400" indent="0">
+              <a:buNone/>
+              <a:defRPr sz="1000"/>
             </a:lvl3pPr>
-            <a:lvl4pPr marL="863971" indent="0">
-              <a:buNone/>
-              <a:defRPr sz="630"/>
+            <a:lvl4pPr marL="1371600" indent="0">
+              <a:buNone/>
+              <a:defRPr sz="900"/>
             </a:lvl4pPr>
-            <a:lvl5pPr marL="1151961" indent="0">
-              <a:buNone/>
-              <a:defRPr sz="630"/>
+            <a:lvl5pPr marL="1828800" indent="0">
+              <a:buNone/>
+              <a:defRPr sz="900"/>
             </a:lvl5pPr>
-            <a:lvl6pPr marL="1439951" indent="0">
-              <a:buNone/>
-              <a:defRPr sz="630"/>
+            <a:lvl6pPr marL="2286000" indent="0">
+              <a:buNone/>
+              <a:defRPr sz="900"/>
             </a:lvl6pPr>
-            <a:lvl7pPr marL="1727942" indent="0">
-              <a:buNone/>
-              <a:defRPr sz="630"/>
+            <a:lvl7pPr marL="2743200" indent="0">
+              <a:buNone/>
+              <a:defRPr sz="900"/>
             </a:lvl7pPr>
-            <a:lvl8pPr marL="2015932" indent="0">
-              <a:buNone/>
-              <a:defRPr sz="630"/>
+            <a:lvl8pPr marL="3200400" indent="0">
+              <a:buNone/>
+              <a:defRPr sz="900"/>
             </a:lvl8pPr>
-            <a:lvl9pPr marL="2303922" indent="0">
-              <a:buNone/>
-              <a:defRPr sz="630"/>
+            <a:lvl9pPr marL="3657600" indent="0">
+              <a:buNone/>
+              <a:defRPr sz="900"/>
             </a:lvl9pPr>
           </a:lstStyle>
           <a:p>
             <a:pPr lvl="0"/>
             <a:r>
-              <a:rPr lang="en-US"/>
-              <a:t>Edit Master text styles</a:t>
+              <a:rPr lang="x-none"/>
+              <a:t>Click to edit Master text styles</a:t>
             </a:r>
           </a:p>
         </p:txBody>
@@ -2346,7 +2519,7 @@
           <a:bodyPr/>
           <a:lstStyle/>
           <a:p>
-            <a:fld id="{FDC979BE-81B6-604D-8E7B-77755E8DD42A}" type="datetimeFigureOut">
+            <a:fld id="{3EA3A3A7-1F67-9A4A-B8E5-E029D492957D}" type="datetimeFigureOut">
               <a:rPr lang="en-US" smtClean="0"/>
               <a:t>6/12/18</a:t>
             </a:fld>
@@ -2388,7 +2561,7 @@
           <a:bodyPr/>
           <a:lstStyle/>
           <a:p>
-            <a:fld id="{7DD576A4-A635-C541-A9E9-F3D6BD2BC51C}" type="slidenum">
+            <a:fld id="{00D20BCD-7CB9-8747-B0C8-741641952E41}" type="slidenum">
               <a:rPr lang="en-US" smtClean="0"/>
               <a:t>‹#›</a:t>
             </a:fld>
@@ -2399,7 +2572,7 @@
     </p:spTree>
     <p:extLst>
       <p:ext uri="{BB962C8B-B14F-4D97-AF65-F5344CB8AC3E}">
-        <p14:creationId xmlns:p14="http://schemas.microsoft.com/office/powerpoint/2010/main" val="2740075606"/>
+        <p14:creationId xmlns:p14="http://schemas.microsoft.com/office/powerpoint/2010/main" val="2898865563"/>
       </p:ext>
     </p:extLst>
   </p:cSld>
@@ -2443,8 +2616,8 @@
         </p:nvSpPr>
         <p:spPr>
           <a:xfrm>
-            <a:off x="395962" y="229979"/>
-            <a:ext cx="4967526" cy="834921"/>
+            <a:off x="539990" y="216278"/>
+            <a:ext cx="9719787" cy="900112"/>
           </a:xfrm>
           <a:prstGeom prst="rect">
             <a:avLst/>
@@ -2460,7 +2633,6 @@
               <a:rPr lang="en-US"/>
               <a:t>Click to edit Master title style</a:t>
             </a:r>
-            <a:endParaRPr lang="en-US" dirty="0"/>
           </a:p>
         </p:txBody>
       </p:sp>
@@ -2476,8 +2648,8 @@
         </p:nvSpPr>
         <p:spPr>
           <a:xfrm>
-            <a:off x="395962" y="1149890"/>
-            <a:ext cx="4967526" cy="2740739"/>
+            <a:off x="539990" y="1260160"/>
+            <a:ext cx="9719787" cy="3564196"/>
           </a:xfrm>
           <a:prstGeom prst="rect">
             <a:avLst/>
@@ -2492,7 +2664,7 @@
             <a:pPr lvl="0"/>
             <a:r>
               <a:rPr lang="en-US"/>
-              <a:t>Edit Master text styles</a:t>
+              <a:t>Click to edit Master text styles</a:t>
             </a:r>
           </a:p>
           <a:p>
@@ -2522,7 +2694,6 @@
               <a:rPr lang="en-US"/>
               <a:t>Fifth level</a:t>
             </a:r>
-            <a:endParaRPr lang="en-US" dirty="0"/>
           </a:p>
         </p:txBody>
       </p:sp>
@@ -2538,8 +2709,8 @@
         </p:nvSpPr>
         <p:spPr>
           <a:xfrm>
-            <a:off x="395962" y="4003619"/>
-            <a:ext cx="1295876" cy="229978"/>
+            <a:off x="539988" y="5005626"/>
+            <a:ext cx="2519945" cy="287536"/>
           </a:xfrm>
           <a:prstGeom prst="rect">
             <a:avLst/>
@@ -2549,7 +2720,7 @@
           <a:bodyPr vert="horz" lIns="91440" tIns="45720" rIns="91440" bIns="45720" rtlCol="0" anchor="ctr"/>
           <a:lstStyle>
             <a:lvl1pPr algn="l">
-              <a:defRPr sz="756">
+              <a:defRPr sz="1200">
                 <a:solidFill>
                   <a:schemeClr val="tx1">
                     <a:tint val="75000"/>
@@ -2559,7 +2730,7 @@
             </a:lvl1pPr>
           </a:lstStyle>
           <a:p>
-            <a:fld id="{FDC979BE-81B6-604D-8E7B-77755E8DD42A}" type="datetimeFigureOut">
+            <a:fld id="{3EA3A3A7-1F67-9A4A-B8E5-E029D492957D}" type="datetimeFigureOut">
               <a:rPr lang="en-US" smtClean="0"/>
               <a:t>6/12/18</a:t>
             </a:fld>
@@ -2579,8 +2750,8 @@
         </p:nvSpPr>
         <p:spPr>
           <a:xfrm>
-            <a:off x="1907818" y="4003619"/>
-            <a:ext cx="1943814" cy="229978"/>
+            <a:off x="3689921" y="5005626"/>
+            <a:ext cx="3419925" cy="287536"/>
           </a:xfrm>
           <a:prstGeom prst="rect">
             <a:avLst/>
@@ -2590,7 +2761,7 @@
           <a:bodyPr vert="horz" lIns="91440" tIns="45720" rIns="91440" bIns="45720" rtlCol="0" anchor="ctr"/>
           <a:lstStyle>
             <a:lvl1pPr algn="ctr">
-              <a:defRPr sz="756">
+              <a:defRPr sz="1200">
                 <a:solidFill>
                   <a:schemeClr val="tx1">
                     <a:tint val="75000"/>
@@ -2616,8 +2787,8 @@
         </p:nvSpPr>
         <p:spPr>
           <a:xfrm>
-            <a:off x="4067612" y="4003619"/>
-            <a:ext cx="1295876" cy="229978"/>
+            <a:off x="7739832" y="5005626"/>
+            <a:ext cx="2519945" cy="287536"/>
           </a:xfrm>
           <a:prstGeom prst="rect">
             <a:avLst/>
@@ -2627,7 +2798,7 @@
           <a:bodyPr vert="horz" lIns="91440" tIns="45720" rIns="91440" bIns="45720" rtlCol="0" anchor="ctr"/>
           <a:lstStyle>
             <a:lvl1pPr algn="r">
-              <a:defRPr sz="756">
+              <a:defRPr sz="1200">
                 <a:solidFill>
                   <a:schemeClr val="tx1">
                     <a:tint val="75000"/>
@@ -2637,7 +2808,7 @@
             </a:lvl1pPr>
           </a:lstStyle>
           <a:p>
-            <a:fld id="{7DD576A4-A635-C541-A9E9-F3D6BD2BC51C}" type="slidenum">
+            <a:fld id="{00D20BCD-7CB9-8747-B0C8-741641952E41}" type="slidenum">
               <a:rPr lang="en-US" smtClean="0"/>
               <a:t>‹#›</a:t>
             </a:fld>
@@ -2648,35 +2819,32 @@
     </p:spTree>
     <p:extLst>
       <p:ext uri="{BB962C8B-B14F-4D97-AF65-F5344CB8AC3E}">
-        <p14:creationId xmlns:p14="http://schemas.microsoft.com/office/powerpoint/2010/main" val="1041065850"/>
+        <p14:creationId xmlns:p14="http://schemas.microsoft.com/office/powerpoint/2010/main" val="3868578366"/>
       </p:ext>
     </p:extLst>
   </p:cSld>
   <p:clrMap bg1="lt1" tx1="dk1" bg2="lt2" tx2="dk2" accent1="accent1" accent2="accent2" accent3="accent3" accent4="accent4" accent5="accent5" accent6="accent6" hlink="hlink" folHlink="folHlink"/>
   <p:sldLayoutIdLst>
-    <p:sldLayoutId id="2147483673" r:id="rId1"/>
-    <p:sldLayoutId id="2147483674" r:id="rId2"/>
-    <p:sldLayoutId id="2147483675" r:id="rId3"/>
-    <p:sldLayoutId id="2147483676" r:id="rId4"/>
-    <p:sldLayoutId id="2147483677" r:id="rId5"/>
-    <p:sldLayoutId id="2147483678" r:id="rId6"/>
-    <p:sldLayoutId id="2147483679" r:id="rId7"/>
-    <p:sldLayoutId id="2147483680" r:id="rId8"/>
-    <p:sldLayoutId id="2147483681" r:id="rId9"/>
-    <p:sldLayoutId id="2147483682" r:id="rId10"/>
-    <p:sldLayoutId id="2147483683" r:id="rId11"/>
+    <p:sldLayoutId id="2147483649" r:id="rId1"/>
+    <p:sldLayoutId id="2147483650" r:id="rId2"/>
+    <p:sldLayoutId id="2147483651" r:id="rId3"/>
+    <p:sldLayoutId id="2147483652" r:id="rId4"/>
+    <p:sldLayoutId id="2147483653" r:id="rId5"/>
+    <p:sldLayoutId id="2147483654" r:id="rId6"/>
+    <p:sldLayoutId id="2147483655" r:id="rId7"/>
+    <p:sldLayoutId id="2147483656" r:id="rId8"/>
+    <p:sldLayoutId id="2147483657" r:id="rId9"/>
+    <p:sldLayoutId id="2147483658" r:id="rId10"/>
+    <p:sldLayoutId id="2147483659" r:id="rId11"/>
   </p:sldLayoutIdLst>
   <p:txStyles>
     <p:titleStyle>
-      <a:lvl1pPr algn="l" defTabSz="575981" rtl="0" eaLnBrk="1" latinLnBrk="0" hangingPunct="1">
-        <a:lnSpc>
-          <a:spcPct val="90000"/>
-        </a:lnSpc>
+      <a:lvl1pPr algn="ctr" defTabSz="457200" rtl="0" eaLnBrk="1" latinLnBrk="0" hangingPunct="1">
         <a:spcBef>
           <a:spcPct val="0"/>
         </a:spcBef>
         <a:buNone/>
-        <a:defRPr sz="2772" kern="1200">
+        <a:defRPr sz="4400" kern="1200">
           <a:solidFill>
             <a:schemeClr val="tx1"/>
           </a:solidFill>
@@ -2687,16 +2855,13 @@
       </a:lvl1pPr>
     </p:titleStyle>
     <p:bodyStyle>
-      <a:lvl1pPr marL="143995" indent="-143995" algn="l" defTabSz="575981" rtl="0" eaLnBrk="1" latinLnBrk="0" hangingPunct="1">
-        <a:lnSpc>
-          <a:spcPct val="90000"/>
-        </a:lnSpc>
+      <a:lvl1pPr marL="342900" indent="-342900" algn="l" defTabSz="457200" rtl="0" eaLnBrk="1" latinLnBrk="0" hangingPunct="1">
         <a:spcBef>
-          <a:spcPts val="630"/>
+          <a:spcPct val="20000"/>
         </a:spcBef>
-        <a:buFont typeface="Arial" panose="020B0604020202020204" pitchFamily="34" charset="0"/>
+        <a:buFont typeface="Arial"/>
         <a:buChar char="•"/>
-        <a:defRPr sz="1764" kern="1200">
+        <a:defRPr sz="3200" kern="1200">
           <a:solidFill>
             <a:schemeClr val="tx1"/>
           </a:solidFill>
@@ -2705,16 +2870,13 @@
           <a:cs typeface="+mn-cs"/>
         </a:defRPr>
       </a:lvl1pPr>
-      <a:lvl2pPr marL="431985" indent="-143995" algn="l" defTabSz="575981" rtl="0" eaLnBrk="1" latinLnBrk="0" hangingPunct="1">
-        <a:lnSpc>
-          <a:spcPct val="90000"/>
-        </a:lnSpc>
+      <a:lvl2pPr marL="742950" indent="-285750" algn="l" defTabSz="457200" rtl="0" eaLnBrk="1" latinLnBrk="0" hangingPunct="1">
         <a:spcBef>
-          <a:spcPts val="315"/>
+          <a:spcPct val="20000"/>
         </a:spcBef>
-        <a:buFont typeface="Arial" panose="020B0604020202020204" pitchFamily="34" charset="0"/>
-        <a:buChar char="•"/>
-        <a:defRPr sz="1512" kern="1200">
+        <a:buFont typeface="Arial"/>
+        <a:buChar char="–"/>
+        <a:defRPr sz="2800" kern="1200">
           <a:solidFill>
             <a:schemeClr val="tx1"/>
           </a:solidFill>
@@ -2723,16 +2885,13 @@
           <a:cs typeface="+mn-cs"/>
         </a:defRPr>
       </a:lvl2pPr>
-      <a:lvl3pPr marL="719976" indent="-143995" algn="l" defTabSz="575981" rtl="0" eaLnBrk="1" latinLnBrk="0" hangingPunct="1">
-        <a:lnSpc>
-          <a:spcPct val="90000"/>
-        </a:lnSpc>
+      <a:lvl3pPr marL="1143000" indent="-228600" algn="l" defTabSz="457200" rtl="0" eaLnBrk="1" latinLnBrk="0" hangingPunct="1">
         <a:spcBef>
-          <a:spcPts val="315"/>
+          <a:spcPct val="20000"/>
         </a:spcBef>
-        <a:buFont typeface="Arial" panose="020B0604020202020204" pitchFamily="34" charset="0"/>
+        <a:buFont typeface="Arial"/>
         <a:buChar char="•"/>
-        <a:defRPr sz="1260" kern="1200">
+        <a:defRPr sz="2400" kern="1200">
           <a:solidFill>
             <a:schemeClr val="tx1"/>
           </a:solidFill>
@@ -2741,16 +2900,13 @@
           <a:cs typeface="+mn-cs"/>
         </a:defRPr>
       </a:lvl3pPr>
-      <a:lvl4pPr marL="1007966" indent="-143995" algn="l" defTabSz="575981" rtl="0" eaLnBrk="1" latinLnBrk="0" hangingPunct="1">
-        <a:lnSpc>
-          <a:spcPct val="90000"/>
-        </a:lnSpc>
+      <a:lvl4pPr marL="1600200" indent="-228600" algn="l" defTabSz="457200" rtl="0" eaLnBrk="1" latinLnBrk="0" hangingPunct="1">
         <a:spcBef>
-          <a:spcPts val="315"/>
+          <a:spcPct val="20000"/>
         </a:spcBef>
-        <a:buFont typeface="Arial" panose="020B0604020202020204" pitchFamily="34" charset="0"/>
-        <a:buChar char="•"/>
-        <a:defRPr sz="1134" kern="1200">
+        <a:buFont typeface="Arial"/>
+        <a:buChar char="–"/>
+        <a:defRPr sz="2000" kern="1200">
           <a:solidFill>
             <a:schemeClr val="tx1"/>
           </a:solidFill>
@@ -2759,16 +2915,13 @@
           <a:cs typeface="+mn-cs"/>
         </a:defRPr>
       </a:lvl4pPr>
-      <a:lvl5pPr marL="1295956" indent="-143995" algn="l" defTabSz="575981" rtl="0" eaLnBrk="1" latinLnBrk="0" hangingPunct="1">
-        <a:lnSpc>
-          <a:spcPct val="90000"/>
-        </a:lnSpc>
+      <a:lvl5pPr marL="2057400" indent="-228600" algn="l" defTabSz="457200" rtl="0" eaLnBrk="1" latinLnBrk="0" hangingPunct="1">
         <a:spcBef>
-          <a:spcPts val="315"/>
+          <a:spcPct val="20000"/>
         </a:spcBef>
-        <a:buFont typeface="Arial" panose="020B0604020202020204" pitchFamily="34" charset="0"/>
-        <a:buChar char="•"/>
-        <a:defRPr sz="1134" kern="1200">
+        <a:buFont typeface="Arial"/>
+        <a:buChar char="»"/>
+        <a:defRPr sz="2000" kern="1200">
           <a:solidFill>
             <a:schemeClr val="tx1"/>
           </a:solidFill>
@@ -2777,16 +2930,13 @@
           <a:cs typeface="+mn-cs"/>
         </a:defRPr>
       </a:lvl5pPr>
-      <a:lvl6pPr marL="1583947" indent="-143995" algn="l" defTabSz="575981" rtl="0" eaLnBrk="1" latinLnBrk="0" hangingPunct="1">
-        <a:lnSpc>
-          <a:spcPct val="90000"/>
-        </a:lnSpc>
+      <a:lvl6pPr marL="2514600" indent="-228600" algn="l" defTabSz="457200" rtl="0" eaLnBrk="1" latinLnBrk="0" hangingPunct="1">
         <a:spcBef>
-          <a:spcPts val="315"/>
+          <a:spcPct val="20000"/>
         </a:spcBef>
-        <a:buFont typeface="Arial" panose="020B0604020202020204" pitchFamily="34" charset="0"/>
+        <a:buFont typeface="Arial"/>
         <a:buChar char="•"/>
-        <a:defRPr sz="1134" kern="1200">
+        <a:defRPr sz="2000" kern="1200">
           <a:solidFill>
             <a:schemeClr val="tx1"/>
           </a:solidFill>
@@ -2795,16 +2945,13 @@
           <a:cs typeface="+mn-cs"/>
         </a:defRPr>
       </a:lvl6pPr>
-      <a:lvl7pPr marL="1871937" indent="-143995" algn="l" defTabSz="575981" rtl="0" eaLnBrk="1" latinLnBrk="0" hangingPunct="1">
-        <a:lnSpc>
-          <a:spcPct val="90000"/>
-        </a:lnSpc>
+      <a:lvl7pPr marL="2971800" indent="-228600" algn="l" defTabSz="457200" rtl="0" eaLnBrk="1" latinLnBrk="0" hangingPunct="1">
         <a:spcBef>
-          <a:spcPts val="315"/>
+          <a:spcPct val="20000"/>
         </a:spcBef>
-        <a:buFont typeface="Arial" panose="020B0604020202020204" pitchFamily="34" charset="0"/>
+        <a:buFont typeface="Arial"/>
         <a:buChar char="•"/>
-        <a:defRPr sz="1134" kern="1200">
+        <a:defRPr sz="2000" kern="1200">
           <a:solidFill>
             <a:schemeClr val="tx1"/>
           </a:solidFill>
@@ -2813,16 +2960,13 @@
           <a:cs typeface="+mn-cs"/>
         </a:defRPr>
       </a:lvl7pPr>
-      <a:lvl8pPr marL="2159927" indent="-143995" algn="l" defTabSz="575981" rtl="0" eaLnBrk="1" latinLnBrk="0" hangingPunct="1">
-        <a:lnSpc>
-          <a:spcPct val="90000"/>
-        </a:lnSpc>
+      <a:lvl8pPr marL="3429000" indent="-228600" algn="l" defTabSz="457200" rtl="0" eaLnBrk="1" latinLnBrk="0" hangingPunct="1">
         <a:spcBef>
-          <a:spcPts val="315"/>
+          <a:spcPct val="20000"/>
         </a:spcBef>
-        <a:buFont typeface="Arial" panose="020B0604020202020204" pitchFamily="34" charset="0"/>
+        <a:buFont typeface="Arial"/>
         <a:buChar char="•"/>
-        <a:defRPr sz="1134" kern="1200">
+        <a:defRPr sz="2000" kern="1200">
           <a:solidFill>
             <a:schemeClr val="tx1"/>
           </a:solidFill>
@@ -2831,16 +2975,13 @@
           <a:cs typeface="+mn-cs"/>
         </a:defRPr>
       </a:lvl8pPr>
-      <a:lvl9pPr marL="2447917" indent="-143995" algn="l" defTabSz="575981" rtl="0" eaLnBrk="1" latinLnBrk="0" hangingPunct="1">
-        <a:lnSpc>
-          <a:spcPct val="90000"/>
-        </a:lnSpc>
+      <a:lvl9pPr marL="3886200" indent="-228600" algn="l" defTabSz="457200" rtl="0" eaLnBrk="1" latinLnBrk="0" hangingPunct="1">
         <a:spcBef>
-          <a:spcPts val="315"/>
+          <a:spcPct val="20000"/>
         </a:spcBef>
-        <a:buFont typeface="Arial" panose="020B0604020202020204" pitchFamily="34" charset="0"/>
+        <a:buFont typeface="Arial"/>
         <a:buChar char="•"/>
-        <a:defRPr sz="1134" kern="1200">
+        <a:defRPr sz="2000" kern="1200">
           <a:solidFill>
             <a:schemeClr val="tx1"/>
           </a:solidFill>
@@ -2854,8 +2995,8 @@
       <a:defPPr>
         <a:defRPr lang="en-US"/>
       </a:defPPr>
-      <a:lvl1pPr marL="0" algn="l" defTabSz="575981" rtl="0" eaLnBrk="1" latinLnBrk="0" hangingPunct="1">
-        <a:defRPr sz="1134" kern="1200">
+      <a:lvl1pPr marL="0" algn="l" defTabSz="457200" rtl="0" eaLnBrk="1" latinLnBrk="0" hangingPunct="1">
+        <a:defRPr sz="1800" kern="1200">
           <a:solidFill>
             <a:schemeClr val="tx1"/>
           </a:solidFill>
@@ -2864,8 +3005,8 @@
           <a:cs typeface="+mn-cs"/>
         </a:defRPr>
       </a:lvl1pPr>
-      <a:lvl2pPr marL="287990" algn="l" defTabSz="575981" rtl="0" eaLnBrk="1" latinLnBrk="0" hangingPunct="1">
-        <a:defRPr sz="1134" kern="1200">
+      <a:lvl2pPr marL="457200" algn="l" defTabSz="457200" rtl="0" eaLnBrk="1" latinLnBrk="0" hangingPunct="1">
+        <a:defRPr sz="1800" kern="1200">
           <a:solidFill>
             <a:schemeClr val="tx1"/>
           </a:solidFill>
@@ -2874,8 +3015,8 @@
           <a:cs typeface="+mn-cs"/>
         </a:defRPr>
       </a:lvl2pPr>
-      <a:lvl3pPr marL="575981" algn="l" defTabSz="575981" rtl="0" eaLnBrk="1" latinLnBrk="0" hangingPunct="1">
-        <a:defRPr sz="1134" kern="1200">
+      <a:lvl3pPr marL="914400" algn="l" defTabSz="457200" rtl="0" eaLnBrk="1" latinLnBrk="0" hangingPunct="1">
+        <a:defRPr sz="1800" kern="1200">
           <a:solidFill>
             <a:schemeClr val="tx1"/>
           </a:solidFill>
@@ -2884,8 +3025,8 @@
           <a:cs typeface="+mn-cs"/>
         </a:defRPr>
       </a:lvl3pPr>
-      <a:lvl4pPr marL="863971" algn="l" defTabSz="575981" rtl="0" eaLnBrk="1" latinLnBrk="0" hangingPunct="1">
-        <a:defRPr sz="1134" kern="1200">
+      <a:lvl4pPr marL="1371600" algn="l" defTabSz="457200" rtl="0" eaLnBrk="1" latinLnBrk="0" hangingPunct="1">
+        <a:defRPr sz="1800" kern="1200">
           <a:solidFill>
             <a:schemeClr val="tx1"/>
           </a:solidFill>
@@ -2894,8 +3035,8 @@
           <a:cs typeface="+mn-cs"/>
         </a:defRPr>
       </a:lvl4pPr>
-      <a:lvl5pPr marL="1151961" algn="l" defTabSz="575981" rtl="0" eaLnBrk="1" latinLnBrk="0" hangingPunct="1">
-        <a:defRPr sz="1134" kern="1200">
+      <a:lvl5pPr marL="1828800" algn="l" defTabSz="457200" rtl="0" eaLnBrk="1" latinLnBrk="0" hangingPunct="1">
+        <a:defRPr sz="1800" kern="1200">
           <a:solidFill>
             <a:schemeClr val="tx1"/>
           </a:solidFill>
@@ -2904,8 +3045,8 @@
           <a:cs typeface="+mn-cs"/>
         </a:defRPr>
       </a:lvl5pPr>
-      <a:lvl6pPr marL="1439951" algn="l" defTabSz="575981" rtl="0" eaLnBrk="1" latinLnBrk="0" hangingPunct="1">
-        <a:defRPr sz="1134" kern="1200">
+      <a:lvl6pPr marL="2286000" algn="l" defTabSz="457200" rtl="0" eaLnBrk="1" latinLnBrk="0" hangingPunct="1">
+        <a:defRPr sz="1800" kern="1200">
           <a:solidFill>
             <a:schemeClr val="tx1"/>
           </a:solidFill>
@@ -2914,8 +3055,8 @@
           <a:cs typeface="+mn-cs"/>
         </a:defRPr>
       </a:lvl6pPr>
-      <a:lvl7pPr marL="1727942" algn="l" defTabSz="575981" rtl="0" eaLnBrk="1" latinLnBrk="0" hangingPunct="1">
-        <a:defRPr sz="1134" kern="1200">
+      <a:lvl7pPr marL="2743200" algn="l" defTabSz="457200" rtl="0" eaLnBrk="1" latinLnBrk="0" hangingPunct="1">
+        <a:defRPr sz="1800" kern="1200">
           <a:solidFill>
             <a:schemeClr val="tx1"/>
           </a:solidFill>
@@ -2924,8 +3065,8 @@
           <a:cs typeface="+mn-cs"/>
         </a:defRPr>
       </a:lvl7pPr>
-      <a:lvl8pPr marL="2015932" algn="l" defTabSz="575981" rtl="0" eaLnBrk="1" latinLnBrk="0" hangingPunct="1">
-        <a:defRPr sz="1134" kern="1200">
+      <a:lvl8pPr marL="3200400" algn="l" defTabSz="457200" rtl="0" eaLnBrk="1" latinLnBrk="0" hangingPunct="1">
+        <a:defRPr sz="1800" kern="1200">
           <a:solidFill>
             <a:schemeClr val="tx1"/>
           </a:solidFill>
@@ -2934,8 +3075,8 @@
           <a:cs typeface="+mn-cs"/>
         </a:defRPr>
       </a:lvl8pPr>
-      <a:lvl9pPr marL="2303922" algn="l" defTabSz="575981" rtl="0" eaLnBrk="1" latinLnBrk="0" hangingPunct="1">
-        <a:defRPr sz="1134" kern="1200">
+      <a:lvl9pPr marL="3657600" algn="l" defTabSz="457200" rtl="0" eaLnBrk="1" latinLnBrk="0" hangingPunct="1">
+        <a:defRPr sz="1800" kern="1200">
           <a:solidFill>
             <a:schemeClr val="tx1"/>
           </a:solidFill>
@@ -2966,12 +3107,61 @@
           <a:chExt cx="0" cy="0"/>
         </a:xfrm>
       </p:grpSpPr>
+      <p:sp>
+        <p:nvSpPr>
+          <p:cNvPr id="19" name="TextBox 18">
+            <a:extLst>
+              <a:ext uri="{FF2B5EF4-FFF2-40B4-BE49-F238E27FC236}">
+                <a16:creationId xmlns:a16="http://schemas.microsoft.com/office/drawing/2014/main" id="{B740EA6E-B0A9-B44B-B2A6-4C62035F9F56}"/>
+              </a:ext>
+            </a:extLst>
+          </p:cNvPr>
+          <p:cNvSpPr txBox="1"/>
+          <p:nvPr/>
+        </p:nvSpPr>
+        <p:spPr>
+          <a:xfrm>
+            <a:off x="72168" y="59380"/>
+            <a:ext cx="10146688" cy="707886"/>
+          </a:xfrm>
+          <a:prstGeom prst="rect">
+            <a:avLst/>
+          </a:prstGeom>
+          <a:noFill/>
+        </p:spPr>
+        <p:txBody>
+          <a:bodyPr wrap="none" rtlCol="0">
+            <a:spAutoFit/>
+          </a:bodyPr>
+          <a:lstStyle/>
+          <a:p>
+            <a:r>
+              <a:rPr lang="en-US" sz="2000" b="1" dirty="0"/>
+              <a:t>Mass </a:t>
+            </a:r>
+            <a:r>
+              <a:rPr lang="en-US" sz="2000" b="1" dirty="0" err="1"/>
+              <a:t>spectrometrists</a:t>
+            </a:r>
+            <a:r>
+              <a:rPr lang="en-US" sz="2000" b="1" dirty="0"/>
+              <a:t> should search for all peptides, but assess only the ones they care about.</a:t>
+            </a:r>
+          </a:p>
+          <a:p>
+            <a:r>
+              <a:rPr lang="en-US" sz="2000" b="1" dirty="0"/>
+              <a:t>Nature Methods 2017 14(7):643-644</a:t>
+            </a:r>
+          </a:p>
+        </p:txBody>
+      </p:sp>
       <p:pic>
         <p:nvPicPr>
-          <p:cNvPr id="4" name="Picture 3">
+          <p:cNvPr id="7" name="Picture 6">
             <a:extLst>
               <a:ext uri="{FF2B5EF4-FFF2-40B4-BE49-F238E27FC236}">
-                <a16:creationId xmlns:a16="http://schemas.microsoft.com/office/drawing/2014/main" id="{CAFBBD49-0EBC-7B44-89A4-7FDC63BA0233}"/>
+                <a16:creationId xmlns:a16="http://schemas.microsoft.com/office/drawing/2014/main" id="{8406FB32-2977-B149-8D9E-C45579A670D0}"/>
               </a:ext>
             </a:extLst>
           </p:cNvPr>
@@ -2988,78 +3178,542 @@
         </p:blipFill>
         <p:spPr>
           <a:xfrm>
-            <a:off x="323096" y="102985"/>
-            <a:ext cx="3073400" cy="596900"/>
+            <a:off x="3792971" y="908924"/>
+            <a:ext cx="6619994" cy="4385746"/>
           </a:xfrm>
           <a:prstGeom prst="rect">
             <a:avLst/>
           </a:prstGeom>
         </p:spPr>
       </p:pic>
-      <p:pic>
-        <p:nvPicPr>
-          <p:cNvPr id="5" name="Picture 4">
+      <p:sp>
+        <p:nvSpPr>
+          <p:cNvPr id="2" name="TextBox 1">
             <a:extLst>
               <a:ext uri="{FF2B5EF4-FFF2-40B4-BE49-F238E27FC236}">
-                <a16:creationId xmlns:a16="http://schemas.microsoft.com/office/drawing/2014/main" id="{E987332E-C3DC-E642-AD31-78538A90CF5A}"/>
+                <a16:creationId xmlns:a16="http://schemas.microsoft.com/office/drawing/2014/main" id="{90FBB6B0-A434-3C48-9828-D586F95BEB9C}"/>
               </a:ext>
             </a:extLst>
           </p:cNvPr>
-          <p:cNvPicPr>
-            <a:picLocks noChangeAspect="1"/>
-          </p:cNvPicPr>
+          <p:cNvSpPr txBox="1"/>
           <p:nvPr/>
-        </p:nvPicPr>
-        <p:blipFill>
-          <a:blip r:embed="rId3"/>
-          <a:stretch>
-            <a:fillRect/>
-          </a:stretch>
-        </p:blipFill>
+        </p:nvSpPr>
         <p:spPr>
           <a:xfrm>
-            <a:off x="323096" y="699886"/>
-            <a:ext cx="2981788" cy="224065"/>
+            <a:off x="355606" y="1612911"/>
+            <a:ext cx="2991716" cy="1015663"/>
           </a:xfrm>
           <a:prstGeom prst="rect">
             <a:avLst/>
           </a:prstGeom>
+          <a:ln>
+            <a:noFill/>
+          </a:ln>
         </p:spPr>
-      </p:pic>
-      <p:pic>
-        <p:nvPicPr>
-          <p:cNvPr id="7" name="Picture 6">
+        <p:style>
+          <a:lnRef idx="2">
+            <a:schemeClr val="accent1"/>
+          </a:lnRef>
+          <a:fillRef idx="1">
+            <a:schemeClr val="lt1"/>
+          </a:fillRef>
+          <a:effectRef idx="0">
+            <a:schemeClr val="accent1"/>
+          </a:effectRef>
+          <a:fontRef idx="minor">
+            <a:schemeClr val="dk1"/>
+          </a:fontRef>
+        </p:style>
+        <p:txBody>
+          <a:bodyPr wrap="none" rtlCol="0">
+            <a:spAutoFit/>
+          </a:bodyPr>
+          <a:lstStyle/>
+          <a:p>
+            <a:pPr algn="ctr"/>
+            <a:r>
+              <a:rPr lang="en-US" sz="2000" dirty="0"/>
+              <a:t>Search against DB </a:t>
+            </a:r>
+          </a:p>
+          <a:p>
+            <a:pPr algn="ctr"/>
+            <a:r>
+              <a:rPr lang="en-US" sz="2000" dirty="0"/>
+              <a:t>with all expected peptides:</a:t>
+            </a:r>
+          </a:p>
+          <a:p>
+            <a:pPr algn="ctr"/>
+            <a:r>
+              <a:rPr lang="en-US" sz="2000" dirty="0"/>
+              <a:t>Search all</a:t>
+            </a:r>
+          </a:p>
+        </p:txBody>
+      </p:sp>
+      <p:sp>
+        <p:nvSpPr>
+          <p:cNvPr id="5" name="TextBox 4">
             <a:extLst>
               <a:ext uri="{FF2B5EF4-FFF2-40B4-BE49-F238E27FC236}">
-                <a16:creationId xmlns:a16="http://schemas.microsoft.com/office/drawing/2014/main" id="{36C220B6-FD82-1F42-B9CF-AB1246204201}"/>
+                <a16:creationId xmlns:a16="http://schemas.microsoft.com/office/drawing/2014/main" id="{0C919247-A611-1244-BC54-4B60AEFECCF6}"/>
               </a:ext>
             </a:extLst>
           </p:cNvPr>
-          <p:cNvPicPr>
-            <a:picLocks noChangeAspect="1"/>
-          </p:cNvPicPr>
+          <p:cNvSpPr txBox="1"/>
           <p:nvPr/>
-        </p:nvPicPr>
-        <p:blipFill>
-          <a:blip r:embed="rId4"/>
-          <a:stretch>
-            <a:fillRect/>
-          </a:stretch>
-        </p:blipFill>
+        </p:nvSpPr>
         <p:spPr>
           <a:xfrm>
-            <a:off x="275328" y="918254"/>
-            <a:ext cx="5080000" cy="3365500"/>
+            <a:off x="411456" y="3101797"/>
+            <a:ext cx="2845907" cy="707886"/>
           </a:xfrm>
           <a:prstGeom prst="rect">
             <a:avLst/>
           </a:prstGeom>
+          <a:ln>
+            <a:noFill/>
+          </a:ln>
         </p:spPr>
-      </p:pic>
+        <p:style>
+          <a:lnRef idx="2">
+            <a:schemeClr val="accent1"/>
+          </a:lnRef>
+          <a:fillRef idx="1">
+            <a:schemeClr val="lt1"/>
+          </a:fillRef>
+          <a:effectRef idx="0">
+            <a:schemeClr val="accent1"/>
+          </a:effectRef>
+          <a:fontRef idx="minor">
+            <a:schemeClr val="dk1"/>
+          </a:fontRef>
+        </p:style>
+        <p:txBody>
+          <a:bodyPr wrap="none" rtlCol="0">
+            <a:spAutoFit/>
+          </a:bodyPr>
+          <a:lstStyle/>
+          <a:p>
+            <a:pPr algn="ctr"/>
+            <a:r>
+              <a:rPr lang="en-US" sz="2000" dirty="0"/>
+              <a:t>Remove irrelevant PSMs: </a:t>
+            </a:r>
+          </a:p>
+          <a:p>
+            <a:pPr algn="ctr"/>
+            <a:r>
+              <a:rPr lang="en-US" sz="2000" dirty="0"/>
+              <a:t>Subset</a:t>
+            </a:r>
+          </a:p>
+        </p:txBody>
+      </p:sp>
+      <p:sp>
+        <p:nvSpPr>
+          <p:cNvPr id="6" name="TextBox 5">
+            <a:extLst>
+              <a:ext uri="{FF2B5EF4-FFF2-40B4-BE49-F238E27FC236}">
+                <a16:creationId xmlns:a16="http://schemas.microsoft.com/office/drawing/2014/main" id="{D3787245-A73B-B249-9905-DCE16371216B}"/>
+              </a:ext>
+            </a:extLst>
+          </p:cNvPr>
+          <p:cNvSpPr txBox="1"/>
+          <p:nvPr/>
+        </p:nvSpPr>
+        <p:spPr>
+          <a:xfrm>
+            <a:off x="423829" y="4366878"/>
+            <a:ext cx="2923493" cy="707886"/>
+          </a:xfrm>
+          <a:prstGeom prst="rect">
+            <a:avLst/>
+          </a:prstGeom>
+          <a:ln>
+            <a:noFill/>
+          </a:ln>
+        </p:spPr>
+        <p:style>
+          <a:lnRef idx="2">
+            <a:schemeClr val="accent1"/>
+          </a:lnRef>
+          <a:fillRef idx="1">
+            <a:schemeClr val="lt1"/>
+          </a:fillRef>
+          <a:effectRef idx="0">
+            <a:schemeClr val="accent1"/>
+          </a:effectRef>
+          <a:fontRef idx="minor">
+            <a:schemeClr val="dk1"/>
+          </a:fontRef>
+        </p:style>
+        <p:txBody>
+          <a:bodyPr wrap="none" rtlCol="0">
+            <a:spAutoFit/>
+          </a:bodyPr>
+          <a:lstStyle/>
+          <a:p>
+            <a:pPr algn="ctr"/>
+            <a:r>
+              <a:rPr lang="en-US" sz="2000" dirty="0"/>
+              <a:t>FDR calculation on subset:</a:t>
+            </a:r>
+          </a:p>
+          <a:p>
+            <a:pPr algn="ctr"/>
+            <a:r>
+              <a:rPr lang="en-US" sz="2000" dirty="0"/>
+              <a:t>Assess Subset</a:t>
+            </a:r>
+          </a:p>
+        </p:txBody>
+      </p:sp>
+      <p:cxnSp>
+        <p:nvCxnSpPr>
+          <p:cNvPr id="10" name="Straight Arrow Connector 9">
+            <a:extLst>
+              <a:ext uri="{FF2B5EF4-FFF2-40B4-BE49-F238E27FC236}">
+                <a16:creationId xmlns:a16="http://schemas.microsoft.com/office/drawing/2014/main" id="{79824FB6-9938-A04F-9A62-525A6CEC080C}"/>
+              </a:ext>
+            </a:extLst>
+          </p:cNvPr>
+          <p:cNvCxnSpPr>
+            <a:cxnSpLocks/>
+          </p:cNvCxnSpPr>
+          <p:nvPr/>
+        </p:nvCxnSpPr>
+        <p:spPr>
+          <a:xfrm>
+            <a:off x="1890258" y="3835309"/>
+            <a:ext cx="0" cy="533922"/>
+          </a:xfrm>
+          <a:prstGeom prst="straightConnector1">
+            <a:avLst/>
+          </a:prstGeom>
+          <a:ln>
+            <a:tailEnd type="triangle"/>
+          </a:ln>
+        </p:spPr>
+        <p:style>
+          <a:lnRef idx="2">
+            <a:schemeClr val="accent1"/>
+          </a:lnRef>
+          <a:fillRef idx="0">
+            <a:schemeClr val="accent1"/>
+          </a:fillRef>
+          <a:effectRef idx="1">
+            <a:schemeClr val="accent1"/>
+          </a:effectRef>
+          <a:fontRef idx="minor">
+            <a:schemeClr val="tx1"/>
+          </a:fontRef>
+        </p:style>
+      </p:cxnSp>
+      <p:sp>
+        <p:nvSpPr>
+          <p:cNvPr id="9" name="Rectangle 8">
+            <a:extLst>
+              <a:ext uri="{FF2B5EF4-FFF2-40B4-BE49-F238E27FC236}">
+                <a16:creationId xmlns:a16="http://schemas.microsoft.com/office/drawing/2014/main" id="{18A528A1-6243-2E41-B3D2-091A7E91B78F}"/>
+              </a:ext>
+            </a:extLst>
+          </p:cNvPr>
+          <p:cNvSpPr/>
+          <p:nvPr/>
+        </p:nvSpPr>
+        <p:spPr>
+          <a:xfrm>
+            <a:off x="3720064" y="3133508"/>
+            <a:ext cx="3420316" cy="2192873"/>
+          </a:xfrm>
+          <a:prstGeom prst="rect">
+            <a:avLst/>
+          </a:prstGeom>
+          <a:noFill/>
+        </p:spPr>
+        <p:style>
+          <a:lnRef idx="2">
+            <a:schemeClr val="accent1"/>
+          </a:lnRef>
+          <a:fillRef idx="1">
+            <a:schemeClr val="lt1"/>
+          </a:fillRef>
+          <a:effectRef idx="0">
+            <a:schemeClr val="accent1"/>
+          </a:effectRef>
+          <a:fontRef idx="minor">
+            <a:schemeClr val="dk1"/>
+          </a:fontRef>
+        </p:style>
+        <p:txBody>
+          <a:bodyPr rtlCol="0" anchor="ctr"/>
+          <a:lstStyle/>
+          <a:p>
+            <a:pPr algn="ctr"/>
+            <a:endParaRPr lang="en-US"/>
+          </a:p>
+        </p:txBody>
+      </p:sp>
+      <p:cxnSp>
+        <p:nvCxnSpPr>
+          <p:cNvPr id="12" name="Straight Connector 11">
+            <a:extLst>
+              <a:ext uri="{FF2B5EF4-FFF2-40B4-BE49-F238E27FC236}">
+                <a16:creationId xmlns:a16="http://schemas.microsoft.com/office/drawing/2014/main" id="{C3A98690-C405-D142-B326-CC0658987272}"/>
+              </a:ext>
+            </a:extLst>
+          </p:cNvPr>
+          <p:cNvCxnSpPr>
+            <a:cxnSpLocks/>
+          </p:cNvCxnSpPr>
+          <p:nvPr/>
+        </p:nvCxnSpPr>
+        <p:spPr>
+          <a:xfrm flipH="1" flipV="1">
+            <a:off x="3279098" y="1703540"/>
+            <a:ext cx="440966" cy="1406528"/>
+          </a:xfrm>
+          <a:prstGeom prst="line">
+            <a:avLst/>
+          </a:prstGeom>
+          <a:effectLst/>
+        </p:spPr>
+        <p:style>
+          <a:lnRef idx="2">
+            <a:schemeClr val="accent1"/>
+          </a:lnRef>
+          <a:fillRef idx="0">
+            <a:schemeClr val="accent1"/>
+          </a:fillRef>
+          <a:effectRef idx="1">
+            <a:schemeClr val="accent1"/>
+          </a:effectRef>
+          <a:fontRef idx="minor">
+            <a:schemeClr val="tx1"/>
+          </a:fontRef>
+        </p:style>
+      </p:cxnSp>
+      <p:cxnSp>
+        <p:nvCxnSpPr>
+          <p:cNvPr id="14" name="Straight Connector 13">
+            <a:extLst>
+              <a:ext uri="{FF2B5EF4-FFF2-40B4-BE49-F238E27FC236}">
+                <a16:creationId xmlns:a16="http://schemas.microsoft.com/office/drawing/2014/main" id="{307328A4-B332-3544-8B76-044879E4AC5D}"/>
+              </a:ext>
+            </a:extLst>
+          </p:cNvPr>
+          <p:cNvCxnSpPr>
+            <a:cxnSpLocks/>
+          </p:cNvCxnSpPr>
+          <p:nvPr/>
+        </p:nvCxnSpPr>
+        <p:spPr>
+          <a:xfrm flipH="1" flipV="1">
+            <a:off x="3291472" y="5063738"/>
+            <a:ext cx="428593" cy="262643"/>
+          </a:xfrm>
+          <a:prstGeom prst="line">
+            <a:avLst/>
+          </a:prstGeom>
+          <a:effectLst/>
+        </p:spPr>
+        <p:style>
+          <a:lnRef idx="2">
+            <a:schemeClr val="accent1"/>
+          </a:lnRef>
+          <a:fillRef idx="0">
+            <a:schemeClr val="accent1"/>
+          </a:fillRef>
+          <a:effectRef idx="1">
+            <a:schemeClr val="accent1"/>
+          </a:effectRef>
+          <a:fontRef idx="minor">
+            <a:schemeClr val="tx1"/>
+          </a:fontRef>
+        </p:style>
+      </p:cxnSp>
+      <p:cxnSp>
+        <p:nvCxnSpPr>
+          <p:cNvPr id="17" name="Straight Arrow Connector 16">
+            <a:extLst>
+              <a:ext uri="{FF2B5EF4-FFF2-40B4-BE49-F238E27FC236}">
+                <a16:creationId xmlns:a16="http://schemas.microsoft.com/office/drawing/2014/main" id="{3D936692-543A-A847-8394-C97C6A26D8F6}"/>
+              </a:ext>
+            </a:extLst>
+          </p:cNvPr>
+          <p:cNvCxnSpPr>
+            <a:cxnSpLocks/>
+          </p:cNvCxnSpPr>
+          <p:nvPr/>
+        </p:nvCxnSpPr>
+        <p:spPr>
+          <a:xfrm>
+            <a:off x="1890258" y="2576146"/>
+            <a:ext cx="0" cy="533922"/>
+          </a:xfrm>
+          <a:prstGeom prst="straightConnector1">
+            <a:avLst/>
+          </a:prstGeom>
+          <a:ln>
+            <a:tailEnd type="triangle"/>
+          </a:ln>
+        </p:spPr>
+        <p:style>
+          <a:lnRef idx="2">
+            <a:schemeClr val="accent1"/>
+          </a:lnRef>
+          <a:fillRef idx="0">
+            <a:schemeClr val="accent1"/>
+          </a:fillRef>
+          <a:effectRef idx="1">
+            <a:schemeClr val="accent1"/>
+          </a:effectRef>
+          <a:fontRef idx="minor">
+            <a:schemeClr val="tx1"/>
+          </a:fontRef>
+        </p:style>
+      </p:cxnSp>
+      <p:sp>
+        <p:nvSpPr>
+          <p:cNvPr id="18" name="Rectangle 17">
+            <a:extLst>
+              <a:ext uri="{FF2B5EF4-FFF2-40B4-BE49-F238E27FC236}">
+                <a16:creationId xmlns:a16="http://schemas.microsoft.com/office/drawing/2014/main" id="{6CECF8C1-474E-4E4A-B453-55E5BEB7D32B}"/>
+              </a:ext>
+            </a:extLst>
+          </p:cNvPr>
+          <p:cNvSpPr/>
+          <p:nvPr/>
+        </p:nvSpPr>
+        <p:spPr>
+          <a:xfrm>
+            <a:off x="411455" y="1703540"/>
+            <a:ext cx="2867643" cy="872606"/>
+          </a:xfrm>
+          <a:prstGeom prst="rect">
+            <a:avLst/>
+          </a:prstGeom>
+          <a:noFill/>
+        </p:spPr>
+        <p:style>
+          <a:lnRef idx="2">
+            <a:schemeClr val="accent1"/>
+          </a:lnRef>
+          <a:fillRef idx="1">
+            <a:schemeClr val="lt1"/>
+          </a:fillRef>
+          <a:effectRef idx="0">
+            <a:schemeClr val="accent1"/>
+          </a:effectRef>
+          <a:fontRef idx="minor">
+            <a:schemeClr val="dk1"/>
+          </a:fontRef>
+        </p:style>
+        <p:txBody>
+          <a:bodyPr rtlCol="0" anchor="ctr"/>
+          <a:lstStyle/>
+          <a:p>
+            <a:pPr algn="ctr"/>
+            <a:endParaRPr lang="en-US"/>
+          </a:p>
+        </p:txBody>
+      </p:sp>
+      <p:sp>
+        <p:nvSpPr>
+          <p:cNvPr id="21" name="Rectangle 20">
+            <a:extLst>
+              <a:ext uri="{FF2B5EF4-FFF2-40B4-BE49-F238E27FC236}">
+                <a16:creationId xmlns:a16="http://schemas.microsoft.com/office/drawing/2014/main" id="{5E0C40C1-16A6-CE47-8592-247D6F812D86}"/>
+              </a:ext>
+            </a:extLst>
+          </p:cNvPr>
+          <p:cNvSpPr/>
+          <p:nvPr/>
+        </p:nvSpPr>
+        <p:spPr>
+          <a:xfrm>
+            <a:off x="411455" y="3101797"/>
+            <a:ext cx="2867643" cy="707886"/>
+          </a:xfrm>
+          <a:prstGeom prst="rect">
+            <a:avLst/>
+          </a:prstGeom>
+          <a:noFill/>
+        </p:spPr>
+        <p:style>
+          <a:lnRef idx="2">
+            <a:schemeClr val="accent1"/>
+          </a:lnRef>
+          <a:fillRef idx="1">
+            <a:schemeClr val="lt1"/>
+          </a:fillRef>
+          <a:effectRef idx="0">
+            <a:schemeClr val="accent1"/>
+          </a:effectRef>
+          <a:fontRef idx="minor">
+            <a:schemeClr val="dk1"/>
+          </a:fontRef>
+        </p:style>
+        <p:txBody>
+          <a:bodyPr rtlCol="0" anchor="ctr"/>
+          <a:lstStyle/>
+          <a:p>
+            <a:pPr algn="ctr"/>
+            <a:endParaRPr lang="en-US"/>
+          </a:p>
+        </p:txBody>
+      </p:sp>
+      <p:sp>
+        <p:nvSpPr>
+          <p:cNvPr id="22" name="Rectangle 21">
+            <a:extLst>
+              <a:ext uri="{FF2B5EF4-FFF2-40B4-BE49-F238E27FC236}">
+                <a16:creationId xmlns:a16="http://schemas.microsoft.com/office/drawing/2014/main" id="{67A53E21-00C4-FD43-8DB1-37ADCC548E15}"/>
+              </a:ext>
+            </a:extLst>
+          </p:cNvPr>
+          <p:cNvSpPr/>
+          <p:nvPr/>
+        </p:nvSpPr>
+        <p:spPr>
+          <a:xfrm>
+            <a:off x="423829" y="4356095"/>
+            <a:ext cx="2867643" cy="707886"/>
+          </a:xfrm>
+          <a:prstGeom prst="rect">
+            <a:avLst/>
+          </a:prstGeom>
+          <a:noFill/>
+        </p:spPr>
+        <p:style>
+          <a:lnRef idx="2">
+            <a:schemeClr val="accent1"/>
+          </a:lnRef>
+          <a:fillRef idx="1">
+            <a:schemeClr val="lt1"/>
+          </a:fillRef>
+          <a:effectRef idx="0">
+            <a:schemeClr val="accent1"/>
+          </a:effectRef>
+          <a:fontRef idx="minor">
+            <a:schemeClr val="dk1"/>
+          </a:fontRef>
+        </p:style>
+        <p:txBody>
+          <a:bodyPr rtlCol="0" anchor="ctr"/>
+          <a:lstStyle/>
+          <a:p>
+            <a:pPr algn="ctr"/>
+            <a:endParaRPr lang="en-US"/>
+          </a:p>
+        </p:txBody>
+      </p:sp>
     </p:spTree>
     <p:extLst>
       <p:ext uri="{BB962C8B-B14F-4D97-AF65-F5344CB8AC3E}">
-        <p14:creationId xmlns:p14="http://schemas.microsoft.com/office/powerpoint/2010/main" val="1393850173"/>
+        <p14:creationId xmlns:p14="http://schemas.microsoft.com/office/powerpoint/2010/main" val="288601898"/>
       </p:ext>
     </p:extLst>
   </p:cSld>
@@ -3072,7 +3726,7 @@
 <file path=ppt/theme/theme1.xml><?xml version="1.0" encoding="utf-8"?>
 <a:theme xmlns:a="http://schemas.openxmlformats.org/drawingml/2006/main" name="Office Theme">
   <a:themeElements>
-    <a:clrScheme name="Office Theme">
+    <a:clrScheme name="Office">
       <a:dk1>
         <a:sysClr val="windowText" lastClr="000000"/>
       </a:dk1>
@@ -3080,44 +3734,44 @@
         <a:sysClr val="window" lastClr="FFFFFF"/>
       </a:lt1>
       <a:dk2>
-        <a:srgbClr val="44546A"/>
+        <a:srgbClr val="1F497D"/>
       </a:dk2>
       <a:lt2>
-        <a:srgbClr val="E7E6E6"/>
+        <a:srgbClr val="EEECE1"/>
       </a:lt2>
       <a:accent1>
-        <a:srgbClr val="4472C4"/>
+        <a:srgbClr val="4F81BD"/>
       </a:accent1>
       <a:accent2>
-        <a:srgbClr val="ED7D31"/>
+        <a:srgbClr val="C0504D"/>
       </a:accent2>
       <a:accent3>
-        <a:srgbClr val="A5A5A5"/>
+        <a:srgbClr val="9BBB59"/>
       </a:accent3>
       <a:accent4>
-        <a:srgbClr val="FFC000"/>
+        <a:srgbClr val="8064A2"/>
       </a:accent4>
       <a:accent5>
-        <a:srgbClr val="5B9BD5"/>
+        <a:srgbClr val="4BACC6"/>
       </a:accent5>
       <a:accent6>
-        <a:srgbClr val="70AD47"/>
+        <a:srgbClr val="F79646"/>
       </a:accent6>
       <a:hlink>
-        <a:srgbClr val="0563C1"/>
+        <a:srgbClr val="0000FF"/>
       </a:hlink>
       <a:folHlink>
-        <a:srgbClr val="954F72"/>
+        <a:srgbClr val="800080"/>
       </a:folHlink>
     </a:clrScheme>
-    <a:fontScheme name="Office Theme">
+    <a:fontScheme name="Office">
       <a:majorFont>
-        <a:latin typeface="Calibri Light" panose="020F0302020204030204"/>
+        <a:latin typeface="Calibri"/>
         <a:ea typeface=""/>
         <a:cs typeface=""/>
-        <a:font script="Jpan" typeface="游ゴシック Light"/>
+        <a:font script="Jpan" typeface="ＭＳ Ｐゴシック"/>
         <a:font script="Hang" typeface="맑은 고딕"/>
-        <a:font script="Hans" typeface="等线 Light"/>
+        <a:font script="Hans" typeface="宋体"/>
         <a:font script="Hant" typeface="新細明體"/>
         <a:font script="Arab" typeface="Times New Roman"/>
         <a:font script="Hebr" typeface="Times New Roman"/>
@@ -3147,12 +3801,12 @@
         <a:font script="Geor" typeface="Sylfaen"/>
       </a:majorFont>
       <a:minorFont>
-        <a:latin typeface="Calibri" panose="020F0502020204030204"/>
+        <a:latin typeface="Calibri"/>
         <a:ea typeface=""/>
         <a:cs typeface=""/>
-        <a:font script="Jpan" typeface="游ゴシック"/>
+        <a:font script="Jpan" typeface="ＭＳ Ｐゴシック"/>
         <a:font script="Hang" typeface="맑은 고딕"/>
-        <a:font script="Hans" typeface="等线"/>
+        <a:font script="Hans" typeface="宋体"/>
         <a:font script="Hant" typeface="新細明體"/>
         <a:font script="Arab" typeface="Arial"/>
         <a:font script="Hebr" typeface="Arial"/>
@@ -3182,7 +3836,7 @@
         <a:font script="Geor" typeface="Sylfaen"/>
       </a:minorFont>
     </a:fontScheme>
-    <a:fmtScheme name="Office Theme">
+    <a:fmtScheme name="Office">
       <a:fillStyleLst>
         <a:solidFill>
           <a:schemeClr val="phClr"/>
@@ -3191,141 +3845,200 @@
           <a:gsLst>
             <a:gs pos="0">
               <a:schemeClr val="phClr">
-                <a:lumMod val="110000"/>
-                <a:satMod val="105000"/>
-                <a:tint val="67000"/>
+                <a:tint val="50000"/>
+                <a:satMod val="300000"/>
               </a:schemeClr>
             </a:gs>
-            <a:gs pos="50000">
+            <a:gs pos="35000">
               <a:schemeClr val="phClr">
-                <a:lumMod val="105000"/>
-                <a:satMod val="103000"/>
-                <a:tint val="73000"/>
+                <a:tint val="37000"/>
+                <a:satMod val="300000"/>
               </a:schemeClr>
             </a:gs>
             <a:gs pos="100000">
               <a:schemeClr val="phClr">
-                <a:lumMod val="105000"/>
-                <a:satMod val="109000"/>
-                <a:tint val="81000"/>
+                <a:tint val="15000"/>
+                <a:satMod val="350000"/>
               </a:schemeClr>
             </a:gs>
           </a:gsLst>
-          <a:lin ang="5400000" scaled="0"/>
+          <a:lin ang="16200000" scaled="1"/>
         </a:gradFill>
         <a:gradFill rotWithShape="1">
           <a:gsLst>
             <a:gs pos="0">
               <a:schemeClr val="phClr">
-                <a:satMod val="103000"/>
-                <a:lumMod val="102000"/>
-                <a:tint val="94000"/>
-              </a:schemeClr>
-            </a:gs>
-            <a:gs pos="50000">
-              <a:schemeClr val="phClr">
-                <a:satMod val="110000"/>
-                <a:lumMod val="100000"/>
+                <a:tint val="100000"/>
                 <a:shade val="100000"/>
+                <a:satMod val="130000"/>
               </a:schemeClr>
             </a:gs>
             <a:gs pos="100000">
               <a:schemeClr val="phClr">
-                <a:lumMod val="99000"/>
-                <a:satMod val="120000"/>
-                <a:shade val="78000"/>
+                <a:tint val="50000"/>
+                <a:shade val="100000"/>
+                <a:satMod val="350000"/>
               </a:schemeClr>
             </a:gs>
           </a:gsLst>
-          <a:lin ang="5400000" scaled="0"/>
+          <a:lin ang="16200000" scaled="0"/>
         </a:gradFill>
       </a:fillStyleLst>
       <a:lnStyleLst>
-        <a:ln w="6350" cap="flat" cmpd="sng" algn="ctr">
+        <a:ln w="9525" cap="flat" cmpd="sng" algn="ctr">
+          <a:solidFill>
+            <a:schemeClr val="phClr">
+              <a:shade val="95000"/>
+              <a:satMod val="105000"/>
+            </a:schemeClr>
+          </a:solidFill>
+          <a:prstDash val="solid"/>
+        </a:ln>
+        <a:ln w="25400" cap="flat" cmpd="sng" algn="ctr">
           <a:solidFill>
             <a:schemeClr val="phClr"/>
           </a:solidFill>
           <a:prstDash val="solid"/>
-          <a:miter lim="800000"/>
         </a:ln>
-        <a:ln w="12700" cap="flat" cmpd="sng" algn="ctr">
+        <a:ln w="38100" cap="flat" cmpd="sng" algn="ctr">
           <a:solidFill>
             <a:schemeClr val="phClr"/>
           </a:solidFill>
           <a:prstDash val="solid"/>
-          <a:miter lim="800000"/>
-        </a:ln>
-        <a:ln w="19050" cap="flat" cmpd="sng" algn="ctr">
-          <a:solidFill>
-            <a:schemeClr val="phClr"/>
-          </a:solidFill>
-          <a:prstDash val="solid"/>
-          <a:miter lim="800000"/>
         </a:ln>
       </a:lnStyleLst>
       <a:effectStyleLst>
         <a:effectStyle>
-          <a:effectLst/>
-        </a:effectStyle>
-        <a:effectStyle>
-          <a:effectLst/>
+          <a:effectLst>
+            <a:outerShdw blurRad="40000" dist="20000" dir="5400000" rotWithShape="0">
+              <a:srgbClr val="000000">
+                <a:alpha val="38000"/>
+              </a:srgbClr>
+            </a:outerShdw>
+          </a:effectLst>
         </a:effectStyle>
         <a:effectStyle>
           <a:effectLst>
-            <a:outerShdw blurRad="57150" dist="19050" dir="5400000" algn="ctr" rotWithShape="0">
+            <a:outerShdw blurRad="40000" dist="23000" dir="5400000" rotWithShape="0">
               <a:srgbClr val="000000">
-                <a:alpha val="63000"/>
+                <a:alpha val="35000"/>
               </a:srgbClr>
             </a:outerShdw>
           </a:effectLst>
+        </a:effectStyle>
+        <a:effectStyle>
+          <a:effectLst>
+            <a:outerShdw blurRad="40000" dist="23000" dir="5400000" rotWithShape="0">
+              <a:srgbClr val="000000">
+                <a:alpha val="35000"/>
+              </a:srgbClr>
+            </a:outerShdw>
+          </a:effectLst>
+          <a:scene3d>
+            <a:camera prst="orthographicFront">
+              <a:rot lat="0" lon="0" rev="0"/>
+            </a:camera>
+            <a:lightRig rig="threePt" dir="t">
+              <a:rot lat="0" lon="0" rev="1200000"/>
+            </a:lightRig>
+          </a:scene3d>
+          <a:sp3d>
+            <a:bevelT w="63500" h="25400"/>
+          </a:sp3d>
         </a:effectStyle>
       </a:effectStyleLst>
       <a:bgFillStyleLst>
         <a:solidFill>
           <a:schemeClr val="phClr"/>
         </a:solidFill>
-        <a:solidFill>
-          <a:schemeClr val="phClr">
-            <a:tint val="95000"/>
-            <a:satMod val="170000"/>
-          </a:schemeClr>
-        </a:solidFill>
         <a:gradFill rotWithShape="1">
           <a:gsLst>
             <a:gs pos="0">
               <a:schemeClr val="phClr">
-                <a:tint val="93000"/>
-                <a:satMod val="150000"/>
-                <a:shade val="98000"/>
-                <a:lumMod val="102000"/>
+                <a:tint val="40000"/>
+                <a:satMod val="350000"/>
               </a:schemeClr>
             </a:gs>
-            <a:gs pos="50000">
+            <a:gs pos="40000">
               <a:schemeClr val="phClr">
-                <a:tint val="98000"/>
-                <a:satMod val="130000"/>
-                <a:shade val="90000"/>
-                <a:lumMod val="103000"/>
+                <a:tint val="45000"/>
+                <a:shade val="99000"/>
+                <a:satMod val="350000"/>
               </a:schemeClr>
             </a:gs>
             <a:gs pos="100000">
               <a:schemeClr val="phClr">
-                <a:shade val="63000"/>
-                <a:satMod val="120000"/>
+                <a:shade val="20000"/>
+                <a:satMod val="255000"/>
               </a:schemeClr>
             </a:gs>
           </a:gsLst>
-          <a:lin ang="5400000" scaled="0"/>
+          <a:path path="circle">
+            <a:fillToRect l="50000" t="-80000" r="50000" b="180000"/>
+          </a:path>
+        </a:gradFill>
+        <a:gradFill rotWithShape="1">
+          <a:gsLst>
+            <a:gs pos="0">
+              <a:schemeClr val="phClr">
+                <a:tint val="80000"/>
+                <a:satMod val="300000"/>
+              </a:schemeClr>
+            </a:gs>
+            <a:gs pos="100000">
+              <a:schemeClr val="phClr">
+                <a:shade val="30000"/>
+                <a:satMod val="200000"/>
+              </a:schemeClr>
+            </a:gs>
+          </a:gsLst>
+          <a:path path="circle">
+            <a:fillToRect l="50000" t="50000" r="50000" b="50000"/>
+          </a:path>
         </a:gradFill>
       </a:bgFillStyleLst>
     </a:fmtScheme>
   </a:themeElements>
-  <a:objectDefaults/>
+  <a:objectDefaults>
+    <a:spDef>
+      <a:spPr/>
+      <a:bodyPr/>
+      <a:lstStyle/>
+      <a:style>
+        <a:lnRef idx="1">
+          <a:schemeClr val="accent1"/>
+        </a:lnRef>
+        <a:fillRef idx="3">
+          <a:schemeClr val="accent1"/>
+        </a:fillRef>
+        <a:effectRef idx="2">
+          <a:schemeClr val="accent1"/>
+        </a:effectRef>
+        <a:fontRef idx="minor">
+          <a:schemeClr val="lt1"/>
+        </a:fontRef>
+      </a:style>
+    </a:spDef>
+    <a:lnDef>
+      <a:spPr/>
+      <a:bodyPr/>
+      <a:lstStyle/>
+      <a:style>
+        <a:lnRef idx="2">
+          <a:schemeClr val="accent1"/>
+        </a:lnRef>
+        <a:fillRef idx="0">
+          <a:schemeClr val="accent1"/>
+        </a:fillRef>
+        <a:effectRef idx="1">
+          <a:schemeClr val="accent1"/>
+        </a:effectRef>
+        <a:fontRef idx="minor">
+          <a:schemeClr val="tx1"/>
+        </a:fontRef>
+      </a:style>
+    </a:lnDef>
+  </a:objectDefaults>
   <a:extraClrSchemeLst/>
-  <a:extLst>
-    <a:ext uri="{05A4C25C-085E-4340-85A3-A5531E510DB2}">
-      <thm15:themeFamily xmlns:thm15="http://schemas.microsoft.com/office/thememl/2012/main" name="Office Theme" id="{62F939B6-93AF-4DB8-9C6B-D6C7DFDC589F}" vid="{4A3C46E8-61CC-4603-A589-7422A47A8E4A}"/>
-    </a:ext>
-  </a:extLst>
 </a:theme>
 </file>
--- a/pages/figs/saas.pptx
+++ b/pages/figs/saas.pptx
@@ -302,7 +302,7 @@
           <a:p>
             <a:fld id="{3EA3A3A7-1F67-9A4A-B8E5-E029D492957D}" type="datetimeFigureOut">
               <a:rPr lang="en-US" smtClean="0"/>
-              <a:t>6/12/18</a:t>
+              <a:t>6/13/18</a:t>
             </a:fld>
             <a:endParaRPr lang="en-US"/>
           </a:p>
@@ -472,7 +472,7 @@
           <a:p>
             <a:fld id="{3EA3A3A7-1F67-9A4A-B8E5-E029D492957D}" type="datetimeFigureOut">
               <a:rPr lang="en-US" smtClean="0"/>
-              <a:t>6/12/18</a:t>
+              <a:t>6/13/18</a:t>
             </a:fld>
             <a:endParaRPr lang="en-US"/>
           </a:p>
@@ -652,7 +652,7 @@
           <a:p>
             <a:fld id="{3EA3A3A7-1F67-9A4A-B8E5-E029D492957D}" type="datetimeFigureOut">
               <a:rPr lang="en-US" smtClean="0"/>
-              <a:t>6/12/18</a:t>
+              <a:t>6/13/18</a:t>
             </a:fld>
             <a:endParaRPr lang="en-US"/>
           </a:p>
@@ -822,7 +822,7 @@
           <a:p>
             <a:fld id="{3EA3A3A7-1F67-9A4A-B8E5-E029D492957D}" type="datetimeFigureOut">
               <a:rPr lang="en-US" smtClean="0"/>
-              <a:t>6/12/18</a:t>
+              <a:t>6/13/18</a:t>
             </a:fld>
             <a:endParaRPr lang="en-US"/>
           </a:p>
@@ -1068,7 +1068,7 @@
           <a:p>
             <a:fld id="{3EA3A3A7-1F67-9A4A-B8E5-E029D492957D}" type="datetimeFigureOut">
               <a:rPr lang="en-US" smtClean="0"/>
-              <a:t>6/12/18</a:t>
+              <a:t>6/13/18</a:t>
             </a:fld>
             <a:endParaRPr lang="en-US"/>
           </a:p>
@@ -1356,7 +1356,7 @@
           <a:p>
             <a:fld id="{3EA3A3A7-1F67-9A4A-B8E5-E029D492957D}" type="datetimeFigureOut">
               <a:rPr lang="en-US" smtClean="0"/>
-              <a:t>6/12/18</a:t>
+              <a:t>6/13/18</a:t>
             </a:fld>
             <a:endParaRPr lang="en-US"/>
           </a:p>
@@ -1778,7 +1778,7 @@
           <a:p>
             <a:fld id="{3EA3A3A7-1F67-9A4A-B8E5-E029D492957D}" type="datetimeFigureOut">
               <a:rPr lang="en-US" smtClean="0"/>
-              <a:t>6/12/18</a:t>
+              <a:t>6/13/18</a:t>
             </a:fld>
             <a:endParaRPr lang="en-US"/>
           </a:p>
@@ -1896,7 +1896,7 @@
           <a:p>
             <a:fld id="{3EA3A3A7-1F67-9A4A-B8E5-E029D492957D}" type="datetimeFigureOut">
               <a:rPr lang="en-US" smtClean="0"/>
-              <a:t>6/12/18</a:t>
+              <a:t>6/13/18</a:t>
             </a:fld>
             <a:endParaRPr lang="en-US"/>
           </a:p>
@@ -1991,7 +1991,7 @@
           <a:p>
             <a:fld id="{3EA3A3A7-1F67-9A4A-B8E5-E029D492957D}" type="datetimeFigureOut">
               <a:rPr lang="en-US" smtClean="0"/>
-              <a:t>6/12/18</a:t>
+              <a:t>6/13/18</a:t>
             </a:fld>
             <a:endParaRPr lang="en-US"/>
           </a:p>
@@ -2268,7 +2268,7 @@
           <a:p>
             <a:fld id="{3EA3A3A7-1F67-9A4A-B8E5-E029D492957D}" type="datetimeFigureOut">
               <a:rPr lang="en-US" smtClean="0"/>
-              <a:t>6/12/18</a:t>
+              <a:t>6/13/18</a:t>
             </a:fld>
             <a:endParaRPr lang="en-US"/>
           </a:p>
@@ -2521,7 +2521,7 @@
           <a:p>
             <a:fld id="{3EA3A3A7-1F67-9A4A-B8E5-E029D492957D}" type="datetimeFigureOut">
               <a:rPr lang="en-US" smtClean="0"/>
-              <a:t>6/12/18</a:t>
+              <a:t>6/13/18</a:t>
             </a:fld>
             <a:endParaRPr lang="en-US"/>
           </a:p>
@@ -2732,7 +2732,7 @@
           <a:p>
             <a:fld id="{3EA3A3A7-1F67-9A4A-B8E5-E029D492957D}" type="datetimeFigureOut">
               <a:rPr lang="en-US" smtClean="0"/>
-              <a:t>6/12/18</a:t>
+              <a:t>6/13/18</a:t>
             </a:fld>
             <a:endParaRPr lang="en-US"/>
           </a:p>
@@ -3121,8 +3121,8 @@
         </p:nvSpPr>
         <p:spPr>
           <a:xfrm>
-            <a:off x="72168" y="59380"/>
-            <a:ext cx="10146688" cy="707886"/>
+            <a:off x="-1" y="59380"/>
+            <a:ext cx="10799763" cy="707886"/>
           </a:xfrm>
           <a:prstGeom prst="rect">
             <a:avLst/>
@@ -3130,11 +3130,12 @@
           <a:noFill/>
         </p:spPr>
         <p:txBody>
-          <a:bodyPr wrap="none" rtlCol="0">
+          <a:bodyPr wrap="square" rtlCol="0">
             <a:spAutoFit/>
           </a:bodyPr>
           <a:lstStyle/>
           <a:p>
+            <a:pPr algn="ctr"/>
             <a:r>
               <a:rPr lang="en-US" sz="2000" b="1" dirty="0"/>
               <a:t>Mass </a:t>
@@ -3149,6 +3150,7 @@
             </a:r>
           </a:p>
           <a:p>
+            <a:pPr algn="ctr"/>
             <a:r>
               <a:rPr lang="en-US" sz="2000" b="1" dirty="0"/>
               <a:t>Nature Methods 2017 14(7):643-644</a:t>
@@ -3178,7 +3180,7 @@
         </p:blipFill>
         <p:spPr>
           <a:xfrm>
-            <a:off x="3792971" y="908924"/>
+            <a:off x="3746316" y="908924"/>
             <a:ext cx="6619994" cy="4385746"/>
           </a:xfrm>
           <a:prstGeom prst="rect">
@@ -3200,7 +3202,7 @@
         </p:nvSpPr>
         <p:spPr>
           <a:xfrm>
-            <a:off x="355606" y="1612911"/>
+            <a:off x="308951" y="1612911"/>
             <a:ext cx="2991716" cy="1015663"/>
           </a:xfrm>
           <a:prstGeom prst="rect">
@@ -3266,7 +3268,7 @@
         </p:nvSpPr>
         <p:spPr>
           <a:xfrm>
-            <a:off x="411456" y="3101797"/>
+            <a:off x="364801" y="3101797"/>
             <a:ext cx="2845907" cy="707886"/>
           </a:xfrm>
           <a:prstGeom prst="rect">
@@ -3325,7 +3327,7 @@
         </p:nvSpPr>
         <p:spPr>
           <a:xfrm>
-            <a:off x="423829" y="4366878"/>
+            <a:off x="377174" y="4366878"/>
             <a:ext cx="2923493" cy="707886"/>
           </a:xfrm>
           <a:prstGeom prst="rect">
@@ -3386,7 +3388,7 @@
         </p:nvCxnSpPr>
         <p:spPr>
           <a:xfrm>
-            <a:off x="1890258" y="3835309"/>
+            <a:off x="1843603" y="3835309"/>
             <a:ext cx="0" cy="533922"/>
           </a:xfrm>
           <a:prstGeom prst="straightConnector1">
@@ -3425,7 +3427,7 @@
         </p:nvSpPr>
         <p:spPr>
           <a:xfrm>
-            <a:off x="3720064" y="3133508"/>
+            <a:off x="3673409" y="3133508"/>
             <a:ext cx="3420316" cy="2192873"/>
           </a:xfrm>
           <a:prstGeom prst="rect">
@@ -3472,7 +3474,7 @@
         </p:nvCxnSpPr>
         <p:spPr>
           <a:xfrm flipH="1" flipV="1">
-            <a:off x="3279098" y="1703540"/>
+            <a:off x="3232443" y="1703540"/>
             <a:ext cx="440966" cy="1406528"/>
           </a:xfrm>
           <a:prstGeom prst="line">
@@ -3511,7 +3513,7 @@
         </p:nvCxnSpPr>
         <p:spPr>
           <a:xfrm flipH="1" flipV="1">
-            <a:off x="3291472" y="5063738"/>
+            <a:off x="3244817" y="5063738"/>
             <a:ext cx="428593" cy="262643"/>
           </a:xfrm>
           <a:prstGeom prst="line">
@@ -3550,7 +3552,7 @@
         </p:nvCxnSpPr>
         <p:spPr>
           <a:xfrm>
-            <a:off x="1890258" y="2576146"/>
+            <a:off x="1843603" y="2576146"/>
             <a:ext cx="0" cy="533922"/>
           </a:xfrm>
           <a:prstGeom prst="straightConnector1">
@@ -3589,7 +3591,7 @@
         </p:nvSpPr>
         <p:spPr>
           <a:xfrm>
-            <a:off x="411455" y="1703540"/>
+            <a:off x="364800" y="1703540"/>
             <a:ext cx="2867643" cy="872606"/>
           </a:xfrm>
           <a:prstGeom prst="rect">
@@ -3634,7 +3636,7 @@
         </p:nvSpPr>
         <p:spPr>
           <a:xfrm>
-            <a:off x="411455" y="3101797"/>
+            <a:off x="364800" y="3101797"/>
             <a:ext cx="2867643" cy="707886"/>
           </a:xfrm>
           <a:prstGeom prst="rect">
@@ -3679,7 +3681,7 @@
         </p:nvSpPr>
         <p:spPr>
           <a:xfrm>
-            <a:off x="423829" y="4356095"/>
+            <a:off x="377174" y="4356095"/>
             <a:ext cx="2867643" cy="707886"/>
           </a:xfrm>
           <a:prstGeom prst="rect">
